--- a/docs/SRT_GUI_Designs.pptx
+++ b/docs/SRT_GUI_Designs.pptx
@@ -7,10 +7,11 @@
   <p:sldIdLst>
     <p:sldId id="261" r:id="rId2"/>
     <p:sldId id="257" r:id="rId3"/>
-    <p:sldId id="260" r:id="rId4"/>
-    <p:sldId id="259" r:id="rId5"/>
-    <p:sldId id="258" r:id="rId6"/>
-    <p:sldId id="256" r:id="rId7"/>
+    <p:sldId id="262" r:id="rId4"/>
+    <p:sldId id="260" r:id="rId5"/>
+    <p:sldId id="259" r:id="rId6"/>
+    <p:sldId id="258" r:id="rId7"/>
+    <p:sldId id="256" r:id="rId8"/>
   </p:sldIdLst>
   <p:sldSz cx="9144000" cy="6858000" type="screen4x3"/>
   <p:notesSz cx="6858000" cy="9144000"/>
@@ -248,7 +249,7 @@
           <a:p>
             <a:fld id="{1BA5837C-C064-4627-A55A-ED7F4550A550}" type="datetimeFigureOut">
               <a:rPr lang="en-US" smtClean="0"/>
-              <a:t>11/26/2019</a:t>
+              <a:t>12/8/2019</a:t>
             </a:fld>
             <a:endParaRPr lang="en-US"/>
           </a:p>
@@ -418,7 +419,7 @@
           <a:p>
             <a:fld id="{1BA5837C-C064-4627-A55A-ED7F4550A550}" type="datetimeFigureOut">
               <a:rPr lang="en-US" smtClean="0"/>
-              <a:t>11/26/2019</a:t>
+              <a:t>12/8/2019</a:t>
             </a:fld>
             <a:endParaRPr lang="en-US"/>
           </a:p>
@@ -598,7 +599,7 @@
           <a:p>
             <a:fld id="{1BA5837C-C064-4627-A55A-ED7F4550A550}" type="datetimeFigureOut">
               <a:rPr lang="en-US" smtClean="0"/>
-              <a:t>11/26/2019</a:t>
+              <a:t>12/8/2019</a:t>
             </a:fld>
             <a:endParaRPr lang="en-US"/>
           </a:p>
@@ -768,7 +769,7 @@
           <a:p>
             <a:fld id="{1BA5837C-C064-4627-A55A-ED7F4550A550}" type="datetimeFigureOut">
               <a:rPr lang="en-US" smtClean="0"/>
-              <a:t>11/26/2019</a:t>
+              <a:t>12/8/2019</a:t>
             </a:fld>
             <a:endParaRPr lang="en-US"/>
           </a:p>
@@ -1012,7 +1013,7 @@
           <a:p>
             <a:fld id="{1BA5837C-C064-4627-A55A-ED7F4550A550}" type="datetimeFigureOut">
               <a:rPr lang="en-US" smtClean="0"/>
-              <a:t>11/26/2019</a:t>
+              <a:t>12/8/2019</a:t>
             </a:fld>
             <a:endParaRPr lang="en-US"/>
           </a:p>
@@ -1244,7 +1245,7 @@
           <a:p>
             <a:fld id="{1BA5837C-C064-4627-A55A-ED7F4550A550}" type="datetimeFigureOut">
               <a:rPr lang="en-US" smtClean="0"/>
-              <a:t>11/26/2019</a:t>
+              <a:t>12/8/2019</a:t>
             </a:fld>
             <a:endParaRPr lang="en-US"/>
           </a:p>
@@ -1611,7 +1612,7 @@
           <a:p>
             <a:fld id="{1BA5837C-C064-4627-A55A-ED7F4550A550}" type="datetimeFigureOut">
               <a:rPr lang="en-US" smtClean="0"/>
-              <a:t>11/26/2019</a:t>
+              <a:t>12/8/2019</a:t>
             </a:fld>
             <a:endParaRPr lang="en-US"/>
           </a:p>
@@ -1729,7 +1730,7 @@
           <a:p>
             <a:fld id="{1BA5837C-C064-4627-A55A-ED7F4550A550}" type="datetimeFigureOut">
               <a:rPr lang="en-US" smtClean="0"/>
-              <a:t>11/26/2019</a:t>
+              <a:t>12/8/2019</a:t>
             </a:fld>
             <a:endParaRPr lang="en-US"/>
           </a:p>
@@ -1824,7 +1825,7 @@
           <a:p>
             <a:fld id="{1BA5837C-C064-4627-A55A-ED7F4550A550}" type="datetimeFigureOut">
               <a:rPr lang="en-US" smtClean="0"/>
-              <a:t>11/26/2019</a:t>
+              <a:t>12/8/2019</a:t>
             </a:fld>
             <a:endParaRPr lang="en-US"/>
           </a:p>
@@ -2101,7 +2102,7 @@
           <a:p>
             <a:fld id="{1BA5837C-C064-4627-A55A-ED7F4550A550}" type="datetimeFigureOut">
               <a:rPr lang="en-US" smtClean="0"/>
-              <a:t>11/26/2019</a:t>
+              <a:t>12/8/2019</a:t>
             </a:fld>
             <a:endParaRPr lang="en-US"/>
           </a:p>
@@ -2358,7 +2359,7 @@
           <a:p>
             <a:fld id="{1BA5837C-C064-4627-A55A-ED7F4550A550}" type="datetimeFigureOut">
               <a:rPr lang="en-US" smtClean="0"/>
-              <a:t>11/26/2019</a:t>
+              <a:t>12/8/2019</a:t>
             </a:fld>
             <a:endParaRPr lang="en-US"/>
           </a:p>
@@ -2571,7 +2572,7 @@
           <a:p>
             <a:fld id="{1BA5837C-C064-4627-A55A-ED7F4550A550}" type="datetimeFigureOut">
               <a:rPr lang="en-US" smtClean="0"/>
-              <a:t>11/26/2019</a:t>
+              <a:t>12/8/2019</a:t>
             </a:fld>
             <a:endParaRPr lang="en-US"/>
           </a:p>
@@ -3039,14 +3040,21 @@
           <a:p>
             <a:r>
               <a:rPr lang="en-US" dirty="0"/>
-              <a:t>3-5 current</a:t>
+              <a:t>3,6 current</a:t>
             </a:r>
           </a:p>
           <a:p>
             <a:r>
+              <a:rPr lang="en-US"/>
+              <a:t>4,5,7 </a:t>
+            </a:r>
+            <a:r>
               <a:rPr lang="en-US" dirty="0"/>
-              <a:t>6 old</a:t>
+              <a:t>old</a:t>
             </a:r>
+          </a:p>
+          <a:p>
+            <a:endParaRPr lang="en-US" dirty="0"/>
           </a:p>
         </p:txBody>
       </p:sp>
@@ -3080,6 +3088,120 @@
           <a:chExt cx="0" cy="0"/>
         </a:xfrm>
       </p:grpSpPr>
+      <p:sp>
+        <p:nvSpPr>
+          <p:cNvPr id="7" name="Rectangle 6">
+            <a:extLst>
+              <a:ext uri="{FF2B5EF4-FFF2-40B4-BE49-F238E27FC236}">
+                <a16:creationId xmlns:a16="http://schemas.microsoft.com/office/drawing/2014/main" id="{671277D7-4E45-4515-8C80-DC3849CD8F71}"/>
+              </a:ext>
+            </a:extLst>
+          </p:cNvPr>
+          <p:cNvSpPr/>
+          <p:nvPr/>
+        </p:nvSpPr>
+        <p:spPr>
+          <a:xfrm>
+            <a:off x="-677" y="242653"/>
+            <a:ext cx="9144000" cy="3850792"/>
+          </a:xfrm>
+          <a:prstGeom prst="rect">
+            <a:avLst/>
+          </a:prstGeom>
+          <a:solidFill>
+            <a:schemeClr val="bg1">
+              <a:lumMod val="85000"/>
+            </a:schemeClr>
+          </a:solidFill>
+          <a:ln w="9525" cap="flat" cmpd="sng" algn="ctr">
+            <a:solidFill>
+              <a:schemeClr val="dk1"/>
+            </a:solidFill>
+            <a:prstDash val="solid"/>
+            <a:round/>
+            <a:headEnd type="none" w="med" len="med"/>
+            <a:tailEnd type="none" w="med" len="med"/>
+          </a:ln>
+        </p:spPr>
+        <p:style>
+          <a:lnRef idx="0">
+            <a:scrgbClr r="0" g="0" b="0"/>
+          </a:lnRef>
+          <a:fillRef idx="0">
+            <a:scrgbClr r="0" g="0" b="0"/>
+          </a:fillRef>
+          <a:effectRef idx="0">
+            <a:scrgbClr r="0" g="0" b="0"/>
+          </a:effectRef>
+          <a:fontRef idx="minor">
+            <a:schemeClr val="dk1"/>
+          </a:fontRef>
+        </p:style>
+        <p:txBody>
+          <a:bodyPr rtlCol="0" anchor="ctr"/>
+          <a:lstStyle/>
+          <a:p>
+            <a:pPr algn="ctr"/>
+            <a:endParaRPr lang="en-US" dirty="0"/>
+          </a:p>
+        </p:txBody>
+      </p:sp>
+      <p:sp>
+        <p:nvSpPr>
+          <p:cNvPr id="105" name="Rectangle 104">
+            <a:extLst>
+              <a:ext uri="{FF2B5EF4-FFF2-40B4-BE49-F238E27FC236}">
+                <a16:creationId xmlns:a16="http://schemas.microsoft.com/office/drawing/2014/main" id="{CC9B35AC-C9AD-4D6E-B2A6-F3DFDF22CA94}"/>
+              </a:ext>
+            </a:extLst>
+          </p:cNvPr>
+          <p:cNvSpPr/>
+          <p:nvPr/>
+        </p:nvSpPr>
+        <p:spPr>
+          <a:xfrm>
+            <a:off x="340803" y="796395"/>
+            <a:ext cx="3688727" cy="3000558"/>
+          </a:xfrm>
+          <a:prstGeom prst="rect">
+            <a:avLst/>
+          </a:prstGeom>
+          <a:solidFill>
+            <a:schemeClr val="tx1"/>
+          </a:solidFill>
+          <a:ln w="9525" cap="flat" cmpd="sng" algn="ctr">
+            <a:solidFill>
+              <a:schemeClr val="dk1"/>
+            </a:solidFill>
+            <a:prstDash val="solid"/>
+            <a:round/>
+            <a:headEnd type="none" w="med" len="med"/>
+            <a:tailEnd type="none" w="med" len="med"/>
+          </a:ln>
+        </p:spPr>
+        <p:style>
+          <a:lnRef idx="0">
+            <a:scrgbClr r="0" g="0" b="0"/>
+          </a:lnRef>
+          <a:fillRef idx="0">
+            <a:scrgbClr r="0" g="0" b="0"/>
+          </a:fillRef>
+          <a:effectRef idx="0">
+            <a:scrgbClr r="0" g="0" b="0"/>
+          </a:effectRef>
+          <a:fontRef idx="minor">
+            <a:schemeClr val="dk1"/>
+          </a:fontRef>
+        </p:style>
+        <p:txBody>
+          <a:bodyPr rtlCol="0" anchor="ctr"/>
+          <a:lstStyle/>
+          <a:p>
+            <a:pPr algn="ctr"/>
+            <a:endParaRPr lang="en-US" dirty="0"/>
+          </a:p>
+        </p:txBody>
+      </p:sp>
       <p:sp>
         <p:nvSpPr>
           <p:cNvPr id="4" name="Rectangle 3">
@@ -3140,64 +3262,6 @@
       </p:sp>
       <p:sp>
         <p:nvSpPr>
-          <p:cNvPr id="5" name="Rectangle 4">
-            <a:extLst>
-              <a:ext uri="{FF2B5EF4-FFF2-40B4-BE49-F238E27FC236}">
-                <a16:creationId xmlns:a16="http://schemas.microsoft.com/office/drawing/2014/main" id="{2DAA1D29-4F36-48C1-A4CE-F0C3A69B3CEF}"/>
-              </a:ext>
-            </a:extLst>
-          </p:cNvPr>
-          <p:cNvSpPr/>
-          <p:nvPr/>
-        </p:nvSpPr>
-        <p:spPr>
-          <a:xfrm>
-            <a:off x="-4581" y="266642"/>
-            <a:ext cx="9144000" cy="1330144"/>
-          </a:xfrm>
-          <a:prstGeom prst="rect">
-            <a:avLst/>
-          </a:prstGeom>
-          <a:solidFill>
-            <a:schemeClr val="bg1">
-              <a:lumMod val="85000"/>
-            </a:schemeClr>
-          </a:solidFill>
-          <a:ln w="9525" cap="flat" cmpd="sng" algn="ctr">
-            <a:solidFill>
-              <a:schemeClr val="dk1"/>
-            </a:solidFill>
-            <a:prstDash val="solid"/>
-            <a:round/>
-            <a:headEnd type="none" w="med" len="med"/>
-            <a:tailEnd type="none" w="med" len="med"/>
-          </a:ln>
-        </p:spPr>
-        <p:style>
-          <a:lnRef idx="0">
-            <a:scrgbClr r="0" g="0" b="0"/>
-          </a:lnRef>
-          <a:fillRef idx="0">
-            <a:scrgbClr r="0" g="0" b="0"/>
-          </a:fillRef>
-          <a:effectRef idx="0">
-            <a:scrgbClr r="0" g="0" b="0"/>
-          </a:effectRef>
-          <a:fontRef idx="minor">
-            <a:schemeClr val="dk1"/>
-          </a:fontRef>
-        </p:style>
-        <p:txBody>
-          <a:bodyPr rtlCol="0" anchor="ctr"/>
-          <a:lstStyle/>
-          <a:p>
-            <a:pPr algn="ctr"/>
-            <a:endParaRPr lang="en-US" dirty="0"/>
-          </a:p>
-        </p:txBody>
-      </p:sp>
-      <p:sp>
-        <p:nvSpPr>
           <p:cNvPr id="6" name="Rectangle 5">
             <a:extLst>
               <a:ext uri="{FF2B5EF4-FFF2-40B4-BE49-F238E27FC236}">
@@ -3210,66 +3274,8 @@
         </p:nvSpPr>
         <p:spPr>
           <a:xfrm>
-            <a:off x="0" y="3328394"/>
-            <a:ext cx="9144000" cy="3529606"/>
-          </a:xfrm>
-          <a:prstGeom prst="rect">
-            <a:avLst/>
-          </a:prstGeom>
-          <a:solidFill>
-            <a:schemeClr val="bg1">
-              <a:lumMod val="85000"/>
-            </a:schemeClr>
-          </a:solidFill>
-          <a:ln w="9525" cap="flat" cmpd="sng" algn="ctr">
-            <a:solidFill>
-              <a:schemeClr val="dk1"/>
-            </a:solidFill>
-            <a:prstDash val="solid"/>
-            <a:round/>
-            <a:headEnd type="none" w="med" len="med"/>
-            <a:tailEnd type="none" w="med" len="med"/>
-          </a:ln>
-        </p:spPr>
-        <p:style>
-          <a:lnRef idx="0">
-            <a:scrgbClr r="0" g="0" b="0"/>
-          </a:lnRef>
-          <a:fillRef idx="0">
-            <a:scrgbClr r="0" g="0" b="0"/>
-          </a:fillRef>
-          <a:effectRef idx="0">
-            <a:scrgbClr r="0" g="0" b="0"/>
-          </a:effectRef>
-          <a:fontRef idx="minor">
-            <a:schemeClr val="dk1"/>
-          </a:fontRef>
-        </p:style>
-        <p:txBody>
-          <a:bodyPr rtlCol="0" anchor="ctr"/>
-          <a:lstStyle/>
-          <a:p>
-            <a:pPr algn="ctr"/>
-            <a:endParaRPr lang="en-US" dirty="0"/>
-          </a:p>
-        </p:txBody>
-      </p:sp>
-      <p:sp>
-        <p:nvSpPr>
-          <p:cNvPr id="7" name="Rectangle 6">
-            <a:extLst>
-              <a:ext uri="{FF2B5EF4-FFF2-40B4-BE49-F238E27FC236}">
-                <a16:creationId xmlns:a16="http://schemas.microsoft.com/office/drawing/2014/main" id="{671277D7-4E45-4515-8C80-DC3849CD8F71}"/>
-              </a:ext>
-            </a:extLst>
-          </p:cNvPr>
-          <p:cNvSpPr/>
-          <p:nvPr/>
-        </p:nvSpPr>
-        <p:spPr>
-          <a:xfrm>
-            <a:off x="-677" y="1572443"/>
-            <a:ext cx="9144000" cy="1755951"/>
+            <a:off x="0" y="4098778"/>
+            <a:ext cx="9144000" cy="3257247"/>
           </a:xfrm>
           <a:prstGeom prst="rect">
             <a:avLst/>
@@ -3326,7 +3332,4799 @@
         </p:nvGrpSpPr>
         <p:grpSpPr>
           <a:xfrm>
-            <a:off x="4147895" y="533076"/>
+            <a:off x="4208395" y="1170629"/>
+            <a:ext cx="4701345" cy="507341"/>
+            <a:chOff x="4920344" y="251025"/>
+            <a:chExt cx="4701345" cy="507341"/>
+          </a:xfrm>
+        </p:grpSpPr>
+        <p:sp>
+          <p:nvSpPr>
+            <p:cNvPr id="9" name="Rectangle 8">
+              <a:extLst>
+                <a:ext uri="{FF2B5EF4-FFF2-40B4-BE49-F238E27FC236}">
+                  <a16:creationId xmlns:a16="http://schemas.microsoft.com/office/drawing/2014/main" id="{97D7E889-51C3-45B8-9DF2-E447C5A4D939}"/>
+                </a:ext>
+              </a:extLst>
+            </p:cNvPr>
+            <p:cNvSpPr/>
+            <p:nvPr/>
+          </p:nvSpPr>
+          <p:spPr>
+            <a:xfrm>
+              <a:off x="4920344" y="513361"/>
+              <a:ext cx="1494065" cy="236763"/>
+            </a:xfrm>
+            <a:prstGeom prst="rect">
+              <a:avLst/>
+            </a:prstGeom>
+            <a:solidFill>
+              <a:schemeClr val="bg1">
+                <a:lumMod val="85000"/>
+              </a:schemeClr>
+            </a:solidFill>
+            <a:ln>
+              <a:solidFill>
+                <a:schemeClr val="bg1">
+                  <a:lumMod val="85000"/>
+                </a:schemeClr>
+              </a:solidFill>
+            </a:ln>
+          </p:spPr>
+          <p:style>
+            <a:lnRef idx="2">
+              <a:schemeClr val="accent6"/>
+            </a:lnRef>
+            <a:fillRef idx="1">
+              <a:schemeClr val="lt1"/>
+            </a:fillRef>
+            <a:effectRef idx="0">
+              <a:schemeClr val="accent6"/>
+            </a:effectRef>
+            <a:fontRef idx="minor">
+              <a:schemeClr val="dk1"/>
+            </a:fontRef>
+          </p:style>
+          <p:txBody>
+            <a:bodyPr rtlCol="0" anchor="ctr"/>
+            <a:lstStyle/>
+            <a:p>
+              <a:pPr algn="r"/>
+              <a:r>
+                <a:rPr lang="en-US" sz="1200" dirty="0">
+                  <a:solidFill>
+                    <a:schemeClr val="tx1"/>
+                  </a:solidFill>
+                </a:rPr>
+                <a:t>Spacial Dimensions:</a:t>
+              </a:r>
+            </a:p>
+          </p:txBody>
+        </p:sp>
+        <p:sp>
+          <p:nvSpPr>
+            <p:cNvPr id="11" name="Rectangle 10">
+              <a:extLst>
+                <a:ext uri="{FF2B5EF4-FFF2-40B4-BE49-F238E27FC236}">
+                  <a16:creationId xmlns:a16="http://schemas.microsoft.com/office/drawing/2014/main" id="{58A804BC-131D-42E3-9056-B350B877B10D}"/>
+                </a:ext>
+              </a:extLst>
+            </p:cNvPr>
+            <p:cNvSpPr/>
+            <p:nvPr/>
+          </p:nvSpPr>
+          <p:spPr>
+            <a:xfrm>
+              <a:off x="6414409" y="251025"/>
+              <a:ext cx="685800" cy="236763"/>
+            </a:xfrm>
+            <a:prstGeom prst="rect">
+              <a:avLst/>
+            </a:prstGeom>
+            <a:solidFill>
+              <a:schemeClr val="bg1">
+                <a:lumMod val="85000"/>
+              </a:schemeClr>
+            </a:solidFill>
+            <a:ln>
+              <a:solidFill>
+                <a:schemeClr val="bg1">
+                  <a:lumMod val="85000"/>
+                </a:schemeClr>
+              </a:solidFill>
+            </a:ln>
+          </p:spPr>
+          <p:style>
+            <a:lnRef idx="2">
+              <a:schemeClr val="accent6"/>
+            </a:lnRef>
+            <a:fillRef idx="1">
+              <a:schemeClr val="lt1"/>
+            </a:fillRef>
+            <a:effectRef idx="0">
+              <a:schemeClr val="accent6"/>
+            </a:effectRef>
+            <a:fontRef idx="minor">
+              <a:schemeClr val="dk1"/>
+            </a:fontRef>
+          </p:style>
+          <p:txBody>
+            <a:bodyPr rtlCol="0" anchor="ctr"/>
+            <a:lstStyle/>
+            <a:p>
+              <a:pPr algn="ctr"/>
+              <a:r>
+                <a:rPr lang="en-US" sz="1200" dirty="0">
+                  <a:solidFill>
+                    <a:schemeClr val="tx1"/>
+                  </a:solidFill>
+                </a:rPr>
+                <a:t>x </a:t>
+              </a:r>
+            </a:p>
+          </p:txBody>
+        </p:sp>
+        <p:sp>
+          <p:nvSpPr>
+            <p:cNvPr id="14" name="Rectangle 13">
+              <a:extLst>
+                <a:ext uri="{FF2B5EF4-FFF2-40B4-BE49-F238E27FC236}">
+                  <a16:creationId xmlns:a16="http://schemas.microsoft.com/office/drawing/2014/main" id="{AB5DA6EC-E82C-4D44-8662-1EE0ABE40A9F}"/>
+                </a:ext>
+              </a:extLst>
+            </p:cNvPr>
+            <p:cNvSpPr/>
+            <p:nvPr/>
+          </p:nvSpPr>
+          <p:spPr>
+            <a:xfrm>
+              <a:off x="6414409" y="521603"/>
+              <a:ext cx="685800" cy="236763"/>
+            </a:xfrm>
+            <a:prstGeom prst="rect">
+              <a:avLst/>
+            </a:prstGeom>
+            <a:ln>
+              <a:solidFill>
+                <a:schemeClr val="bg1">
+                  <a:lumMod val="65000"/>
+                </a:schemeClr>
+              </a:solidFill>
+            </a:ln>
+          </p:spPr>
+          <p:style>
+            <a:lnRef idx="2">
+              <a:schemeClr val="accent6"/>
+            </a:lnRef>
+            <a:fillRef idx="1">
+              <a:schemeClr val="lt1"/>
+            </a:fillRef>
+            <a:effectRef idx="0">
+              <a:schemeClr val="accent6"/>
+            </a:effectRef>
+            <a:fontRef idx="minor">
+              <a:schemeClr val="dk1"/>
+            </a:fontRef>
+          </p:style>
+          <p:txBody>
+            <a:bodyPr rtlCol="0" anchor="ctr"/>
+            <a:lstStyle/>
+            <a:p>
+              <a:pPr algn="ctr"/>
+              <a:endParaRPr lang="en-US" sz="1200" dirty="0">
+                <a:solidFill>
+                  <a:schemeClr val="tx1"/>
+                </a:solidFill>
+              </a:endParaRPr>
+            </a:p>
+          </p:txBody>
+        </p:sp>
+        <p:sp>
+          <p:nvSpPr>
+            <p:cNvPr id="15" name="Rectangle 14">
+              <a:extLst>
+                <a:ext uri="{FF2B5EF4-FFF2-40B4-BE49-F238E27FC236}">
+                  <a16:creationId xmlns:a16="http://schemas.microsoft.com/office/drawing/2014/main" id="{8D4628C7-B431-4255-8BB3-BA072482887A}"/>
+                </a:ext>
+              </a:extLst>
+            </p:cNvPr>
+            <p:cNvSpPr/>
+            <p:nvPr/>
+          </p:nvSpPr>
+          <p:spPr>
+            <a:xfrm>
+              <a:off x="7298872" y="519557"/>
+              <a:ext cx="685800" cy="236763"/>
+            </a:xfrm>
+            <a:prstGeom prst="rect">
+              <a:avLst/>
+            </a:prstGeom>
+            <a:ln>
+              <a:solidFill>
+                <a:schemeClr val="bg1">
+                  <a:lumMod val="65000"/>
+                </a:schemeClr>
+              </a:solidFill>
+            </a:ln>
+          </p:spPr>
+          <p:style>
+            <a:lnRef idx="2">
+              <a:schemeClr val="accent6"/>
+            </a:lnRef>
+            <a:fillRef idx="1">
+              <a:schemeClr val="lt1"/>
+            </a:fillRef>
+            <a:effectRef idx="0">
+              <a:schemeClr val="accent6"/>
+            </a:effectRef>
+            <a:fontRef idx="minor">
+              <a:schemeClr val="dk1"/>
+            </a:fontRef>
+          </p:style>
+          <p:txBody>
+            <a:bodyPr rtlCol="0" anchor="ctr"/>
+            <a:lstStyle/>
+            <a:p>
+              <a:pPr algn="ctr"/>
+              <a:endParaRPr lang="en-US" sz="1200" dirty="0">
+                <a:solidFill>
+                  <a:schemeClr val="tx1"/>
+                </a:solidFill>
+              </a:endParaRPr>
+            </a:p>
+          </p:txBody>
+        </p:sp>
+        <p:sp>
+          <p:nvSpPr>
+            <p:cNvPr id="16" name="Rectangle 15">
+              <a:extLst>
+                <a:ext uri="{FF2B5EF4-FFF2-40B4-BE49-F238E27FC236}">
+                  <a16:creationId xmlns:a16="http://schemas.microsoft.com/office/drawing/2014/main" id="{30AA2FFF-41CD-4BAE-9517-3FF260BCB638}"/>
+                </a:ext>
+              </a:extLst>
+            </p:cNvPr>
+            <p:cNvSpPr/>
+            <p:nvPr/>
+          </p:nvSpPr>
+          <p:spPr>
+            <a:xfrm>
+              <a:off x="8183335" y="519556"/>
+              <a:ext cx="685800" cy="236763"/>
+            </a:xfrm>
+            <a:prstGeom prst="rect">
+              <a:avLst/>
+            </a:prstGeom>
+            <a:ln>
+              <a:solidFill>
+                <a:schemeClr val="bg1">
+                  <a:lumMod val="65000"/>
+                </a:schemeClr>
+              </a:solidFill>
+            </a:ln>
+          </p:spPr>
+          <p:style>
+            <a:lnRef idx="2">
+              <a:schemeClr val="accent6"/>
+            </a:lnRef>
+            <a:fillRef idx="1">
+              <a:schemeClr val="lt1"/>
+            </a:fillRef>
+            <a:effectRef idx="0">
+              <a:schemeClr val="accent6"/>
+            </a:effectRef>
+            <a:fontRef idx="minor">
+              <a:schemeClr val="dk1"/>
+            </a:fontRef>
+          </p:style>
+          <p:txBody>
+            <a:bodyPr rtlCol="0" anchor="ctr"/>
+            <a:lstStyle/>
+            <a:p>
+              <a:pPr algn="ctr"/>
+              <a:endParaRPr lang="en-US" sz="1200" dirty="0">
+                <a:solidFill>
+                  <a:schemeClr val="tx1"/>
+                </a:solidFill>
+              </a:endParaRPr>
+            </a:p>
+          </p:txBody>
+        </p:sp>
+        <p:sp>
+          <p:nvSpPr>
+            <p:cNvPr id="17" name="Rectangle 16">
+              <a:extLst>
+                <a:ext uri="{FF2B5EF4-FFF2-40B4-BE49-F238E27FC236}">
+                  <a16:creationId xmlns:a16="http://schemas.microsoft.com/office/drawing/2014/main" id="{61147DC6-3A0E-4183-9447-7057E03F87D9}"/>
+                </a:ext>
+              </a:extLst>
+            </p:cNvPr>
+            <p:cNvSpPr/>
+            <p:nvPr/>
+          </p:nvSpPr>
+          <p:spPr>
+            <a:xfrm>
+              <a:off x="7298872" y="253080"/>
+              <a:ext cx="685800" cy="236763"/>
+            </a:xfrm>
+            <a:prstGeom prst="rect">
+              <a:avLst/>
+            </a:prstGeom>
+            <a:solidFill>
+              <a:schemeClr val="bg1">
+                <a:lumMod val="85000"/>
+              </a:schemeClr>
+            </a:solidFill>
+            <a:ln>
+              <a:solidFill>
+                <a:schemeClr val="bg1">
+                  <a:lumMod val="85000"/>
+                </a:schemeClr>
+              </a:solidFill>
+            </a:ln>
+          </p:spPr>
+          <p:style>
+            <a:lnRef idx="2">
+              <a:schemeClr val="accent6"/>
+            </a:lnRef>
+            <a:fillRef idx="1">
+              <a:schemeClr val="lt1"/>
+            </a:fillRef>
+            <a:effectRef idx="0">
+              <a:schemeClr val="accent6"/>
+            </a:effectRef>
+            <a:fontRef idx="minor">
+              <a:schemeClr val="dk1"/>
+            </a:fontRef>
+          </p:style>
+          <p:txBody>
+            <a:bodyPr rtlCol="0" anchor="ctr"/>
+            <a:lstStyle/>
+            <a:p>
+              <a:pPr algn="ctr"/>
+              <a:r>
+                <a:rPr lang="en-US" sz="1200" dirty="0">
+                  <a:solidFill>
+                    <a:schemeClr val="tx1"/>
+                  </a:solidFill>
+                </a:rPr>
+                <a:t>y</a:t>
+              </a:r>
+            </a:p>
+          </p:txBody>
+        </p:sp>
+        <p:sp>
+          <p:nvSpPr>
+            <p:cNvPr id="18" name="Rectangle 17">
+              <a:extLst>
+                <a:ext uri="{FF2B5EF4-FFF2-40B4-BE49-F238E27FC236}">
+                  <a16:creationId xmlns:a16="http://schemas.microsoft.com/office/drawing/2014/main" id="{3BDAC764-C1F7-4CF3-9260-48DF5625F052}"/>
+                </a:ext>
+              </a:extLst>
+            </p:cNvPr>
+            <p:cNvSpPr/>
+            <p:nvPr/>
+          </p:nvSpPr>
+          <p:spPr>
+            <a:xfrm>
+              <a:off x="8183335" y="254110"/>
+              <a:ext cx="685800" cy="236763"/>
+            </a:xfrm>
+            <a:prstGeom prst="rect">
+              <a:avLst/>
+            </a:prstGeom>
+            <a:solidFill>
+              <a:schemeClr val="bg1">
+                <a:lumMod val="85000"/>
+              </a:schemeClr>
+            </a:solidFill>
+            <a:ln>
+              <a:solidFill>
+                <a:schemeClr val="bg1">
+                  <a:lumMod val="85000"/>
+                </a:schemeClr>
+              </a:solidFill>
+            </a:ln>
+          </p:spPr>
+          <p:style>
+            <a:lnRef idx="2">
+              <a:schemeClr val="accent6"/>
+            </a:lnRef>
+            <a:fillRef idx="1">
+              <a:schemeClr val="lt1"/>
+            </a:fillRef>
+            <a:effectRef idx="0">
+              <a:schemeClr val="accent6"/>
+            </a:effectRef>
+            <a:fontRef idx="minor">
+              <a:schemeClr val="dk1"/>
+            </a:fontRef>
+          </p:style>
+          <p:txBody>
+            <a:bodyPr rtlCol="0" anchor="ctr"/>
+            <a:lstStyle/>
+            <a:p>
+              <a:pPr algn="ctr"/>
+              <a:r>
+                <a:rPr lang="en-US" sz="1200" dirty="0">
+                  <a:solidFill>
+                    <a:schemeClr val="tx1"/>
+                  </a:solidFill>
+                </a:rPr>
+                <a:t>z </a:t>
+              </a:r>
+            </a:p>
+          </p:txBody>
+        </p:sp>
+        <p:sp>
+          <p:nvSpPr>
+            <p:cNvPr id="133" name="Rectangle 132">
+              <a:extLst>
+                <a:ext uri="{FF2B5EF4-FFF2-40B4-BE49-F238E27FC236}">
+                  <a16:creationId xmlns:a16="http://schemas.microsoft.com/office/drawing/2014/main" id="{6EE9F982-BF9F-4871-9B84-EDEE4C6352BE}"/>
+                </a:ext>
+              </a:extLst>
+            </p:cNvPr>
+            <p:cNvSpPr/>
+            <p:nvPr/>
+          </p:nvSpPr>
+          <p:spPr>
+            <a:xfrm>
+              <a:off x="8890169" y="502601"/>
+              <a:ext cx="731520" cy="236763"/>
+            </a:xfrm>
+            <a:prstGeom prst="rect">
+              <a:avLst/>
+            </a:prstGeom>
+            <a:solidFill>
+              <a:schemeClr val="bg1">
+                <a:lumMod val="85000"/>
+              </a:schemeClr>
+            </a:solidFill>
+            <a:ln>
+              <a:solidFill>
+                <a:schemeClr val="bg1">
+                  <a:lumMod val="85000"/>
+                </a:schemeClr>
+              </a:solidFill>
+            </a:ln>
+          </p:spPr>
+          <p:style>
+            <a:lnRef idx="2">
+              <a:schemeClr val="accent6"/>
+            </a:lnRef>
+            <a:fillRef idx="1">
+              <a:schemeClr val="lt1"/>
+            </a:fillRef>
+            <a:effectRef idx="0">
+              <a:schemeClr val="accent6"/>
+            </a:effectRef>
+            <a:fontRef idx="minor">
+              <a:schemeClr val="dk1"/>
+            </a:fontRef>
+          </p:style>
+          <p:txBody>
+            <a:bodyPr rtlCol="0" anchor="ctr"/>
+            <a:lstStyle/>
+            <a:p>
+              <a:r>
+                <a:rPr lang="en-US" sz="1200" dirty="0">
+                  <a:solidFill>
+                    <a:schemeClr val="tx1"/>
+                  </a:solidFill>
+                </a:rPr>
+                <a:t>p/m</a:t>
+              </a:r>
+            </a:p>
+          </p:txBody>
+        </p:sp>
+      </p:grpSp>
+      <p:grpSp>
+        <p:nvGrpSpPr>
+          <p:cNvPr id="32" name="Group 31">
+            <a:extLst>
+              <a:ext uri="{FF2B5EF4-FFF2-40B4-BE49-F238E27FC236}">
+                <a16:creationId xmlns:a16="http://schemas.microsoft.com/office/drawing/2014/main" id="{46CBB59A-559D-42C0-97ED-60854A1B67F5}"/>
+              </a:ext>
+            </a:extLst>
+          </p:cNvPr>
+          <p:cNvGrpSpPr/>
+          <p:nvPr/>
+        </p:nvGrpSpPr>
+        <p:grpSpPr>
+          <a:xfrm>
+            <a:off x="1811602" y="355139"/>
+            <a:ext cx="5704114" cy="245005"/>
+            <a:chOff x="182336" y="271428"/>
+            <a:chExt cx="5704114" cy="245005"/>
+          </a:xfrm>
+        </p:grpSpPr>
+        <p:sp>
+          <p:nvSpPr>
+            <p:cNvPr id="22" name="Rectangle 21">
+              <a:extLst>
+                <a:ext uri="{FF2B5EF4-FFF2-40B4-BE49-F238E27FC236}">
+                  <a16:creationId xmlns:a16="http://schemas.microsoft.com/office/drawing/2014/main" id="{732C69E0-738C-48CD-ABCB-357F5C17CACF}"/>
+                </a:ext>
+              </a:extLst>
+            </p:cNvPr>
+            <p:cNvSpPr/>
+            <p:nvPr/>
+          </p:nvSpPr>
+          <p:spPr>
+            <a:xfrm>
+              <a:off x="182336" y="271428"/>
+              <a:ext cx="1238250" cy="236763"/>
+            </a:xfrm>
+            <a:prstGeom prst="rect">
+              <a:avLst/>
+            </a:prstGeom>
+            <a:solidFill>
+              <a:schemeClr val="bg1">
+                <a:lumMod val="85000"/>
+              </a:schemeClr>
+            </a:solidFill>
+            <a:ln>
+              <a:solidFill>
+                <a:schemeClr val="bg1">
+                  <a:lumMod val="85000"/>
+                </a:schemeClr>
+              </a:solidFill>
+            </a:ln>
+          </p:spPr>
+          <p:style>
+            <a:lnRef idx="2">
+              <a:schemeClr val="accent6"/>
+            </a:lnRef>
+            <a:fillRef idx="1">
+              <a:schemeClr val="lt1"/>
+            </a:fillRef>
+            <a:effectRef idx="0">
+              <a:schemeClr val="accent6"/>
+            </a:effectRef>
+            <a:fontRef idx="minor">
+              <a:schemeClr val="dk1"/>
+            </a:fontRef>
+          </p:style>
+          <p:txBody>
+            <a:bodyPr rtlCol="0" anchor="ctr"/>
+            <a:lstStyle/>
+            <a:p>
+              <a:pPr algn="ctr"/>
+              <a:r>
+                <a:rPr lang="en-US" sz="1200" dirty="0">
+                  <a:solidFill>
+                    <a:schemeClr val="tx1"/>
+                  </a:solidFill>
+                </a:rPr>
+                <a:t>Input .png file:</a:t>
+              </a:r>
+            </a:p>
+          </p:txBody>
+        </p:sp>
+        <p:sp>
+          <p:nvSpPr>
+            <p:cNvPr id="23" name="Rectangle 22">
+              <a:extLst>
+                <a:ext uri="{FF2B5EF4-FFF2-40B4-BE49-F238E27FC236}">
+                  <a16:creationId xmlns:a16="http://schemas.microsoft.com/office/drawing/2014/main" id="{43B52C26-99FB-48D1-BD7D-4B3ABE3FE54D}"/>
+                </a:ext>
+              </a:extLst>
+            </p:cNvPr>
+            <p:cNvSpPr/>
+            <p:nvPr/>
+          </p:nvSpPr>
+          <p:spPr>
+            <a:xfrm>
+              <a:off x="1314450" y="279670"/>
+              <a:ext cx="4572000" cy="236763"/>
+            </a:xfrm>
+            <a:prstGeom prst="rect">
+              <a:avLst/>
+            </a:prstGeom>
+            <a:solidFill>
+              <a:schemeClr val="bg1"/>
+            </a:solidFill>
+            <a:ln>
+              <a:solidFill>
+                <a:schemeClr val="bg1">
+                  <a:lumMod val="65000"/>
+                </a:schemeClr>
+              </a:solidFill>
+            </a:ln>
+          </p:spPr>
+          <p:style>
+            <a:lnRef idx="2">
+              <a:schemeClr val="accent6"/>
+            </a:lnRef>
+            <a:fillRef idx="1">
+              <a:schemeClr val="lt1"/>
+            </a:fillRef>
+            <a:effectRef idx="0">
+              <a:schemeClr val="accent6"/>
+            </a:effectRef>
+            <a:fontRef idx="minor">
+              <a:schemeClr val="dk1"/>
+            </a:fontRef>
+          </p:style>
+          <p:txBody>
+            <a:bodyPr rtlCol="0" anchor="ctr"/>
+            <a:lstStyle/>
+            <a:p>
+              <a:endParaRPr lang="en-US" sz="1200" dirty="0">
+                <a:solidFill>
+                  <a:schemeClr val="tx1"/>
+                </a:solidFill>
+              </a:endParaRPr>
+            </a:p>
+          </p:txBody>
+        </p:sp>
+      </p:grpSp>
+      <p:sp>
+        <p:nvSpPr>
+          <p:cNvPr id="46" name="Rectangle 45">
+            <a:extLst>
+              <a:ext uri="{FF2B5EF4-FFF2-40B4-BE49-F238E27FC236}">
+                <a16:creationId xmlns:a16="http://schemas.microsoft.com/office/drawing/2014/main" id="{543E17D2-3712-413A-9862-4D29D284B9BC}"/>
+              </a:ext>
+            </a:extLst>
+          </p:cNvPr>
+          <p:cNvSpPr/>
+          <p:nvPr/>
+        </p:nvSpPr>
+        <p:spPr>
+          <a:xfrm>
+            <a:off x="33146" y="4133559"/>
+            <a:ext cx="1188720" cy="182880"/>
+          </a:xfrm>
+          <a:prstGeom prst="rect">
+            <a:avLst/>
+          </a:prstGeom>
+          <a:solidFill>
+            <a:schemeClr val="bg1">
+              <a:lumMod val="85000"/>
+            </a:schemeClr>
+          </a:solidFill>
+          <a:ln>
+            <a:solidFill>
+              <a:schemeClr val="bg1">
+                <a:lumMod val="85000"/>
+              </a:schemeClr>
+            </a:solidFill>
+          </a:ln>
+        </p:spPr>
+        <p:style>
+          <a:lnRef idx="2">
+            <a:schemeClr val="accent6"/>
+          </a:lnRef>
+          <a:fillRef idx="1">
+            <a:schemeClr val="lt1"/>
+          </a:fillRef>
+          <a:effectRef idx="0">
+            <a:schemeClr val="accent6"/>
+          </a:effectRef>
+          <a:fontRef idx="minor">
+            <a:schemeClr val="dk1"/>
+          </a:fontRef>
+        </p:style>
+        <p:txBody>
+          <a:bodyPr rtlCol="0" anchor="ctr"/>
+          <a:lstStyle/>
+          <a:p>
+            <a:r>
+              <a:rPr lang="en-US" sz="1200" b="1" dirty="0">
+                <a:solidFill>
+                  <a:schemeClr val="tx1"/>
+                </a:solidFill>
+              </a:rPr>
+              <a:t>Material Inputs </a:t>
+            </a:r>
+          </a:p>
+        </p:txBody>
+      </p:sp>
+      <p:sp>
+        <p:nvSpPr>
+          <p:cNvPr id="75" name="Rectangle 74">
+            <a:extLst>
+              <a:ext uri="{FF2B5EF4-FFF2-40B4-BE49-F238E27FC236}">
+                <a16:creationId xmlns:a16="http://schemas.microsoft.com/office/drawing/2014/main" id="{D8E59BBE-76F4-409B-B3D4-BE1A1E22AB22}"/>
+              </a:ext>
+            </a:extLst>
+          </p:cNvPr>
+          <p:cNvSpPr/>
+          <p:nvPr/>
+        </p:nvSpPr>
+        <p:spPr>
+          <a:xfrm>
+            <a:off x="4199140" y="1824915"/>
+            <a:ext cx="1280160" cy="236763"/>
+          </a:xfrm>
+          <a:prstGeom prst="rect">
+            <a:avLst/>
+          </a:prstGeom>
+          <a:solidFill>
+            <a:schemeClr val="bg1">
+              <a:lumMod val="85000"/>
+            </a:schemeClr>
+          </a:solidFill>
+          <a:ln>
+            <a:solidFill>
+              <a:schemeClr val="bg1">
+                <a:lumMod val="85000"/>
+              </a:schemeClr>
+            </a:solidFill>
+          </a:ln>
+        </p:spPr>
+        <p:style>
+          <a:lnRef idx="2">
+            <a:schemeClr val="accent6"/>
+          </a:lnRef>
+          <a:fillRef idx="1">
+            <a:schemeClr val="lt1"/>
+          </a:fillRef>
+          <a:effectRef idx="0">
+            <a:schemeClr val="accent6"/>
+          </a:effectRef>
+          <a:fontRef idx="minor">
+            <a:schemeClr val="dk1"/>
+          </a:fontRef>
+        </p:style>
+        <p:txBody>
+          <a:bodyPr rtlCol="0" anchor="ctr"/>
+          <a:lstStyle/>
+          <a:p>
+            <a:pPr algn="r"/>
+            <a:r>
+              <a:rPr lang="en-US" sz="1200" dirty="0">
+                <a:solidFill>
+                  <a:schemeClr val="tx1"/>
+                </a:solidFill>
+              </a:rPr>
+              <a:t>Time Step Out:</a:t>
+            </a:r>
+          </a:p>
+        </p:txBody>
+      </p:sp>
+      <p:sp>
+        <p:nvSpPr>
+          <p:cNvPr id="76" name="Rectangle 75">
+            <a:extLst>
+              <a:ext uri="{FF2B5EF4-FFF2-40B4-BE49-F238E27FC236}">
+                <a16:creationId xmlns:a16="http://schemas.microsoft.com/office/drawing/2014/main" id="{326F6803-2149-4154-A26C-8FDA208FD322}"/>
+              </a:ext>
+            </a:extLst>
+          </p:cNvPr>
+          <p:cNvSpPr/>
+          <p:nvPr/>
+        </p:nvSpPr>
+        <p:spPr>
+          <a:xfrm>
+            <a:off x="5428746" y="1833157"/>
+            <a:ext cx="685800" cy="236763"/>
+          </a:xfrm>
+          <a:prstGeom prst="rect">
+            <a:avLst/>
+          </a:prstGeom>
+          <a:ln>
+            <a:solidFill>
+              <a:schemeClr val="bg1">
+                <a:lumMod val="65000"/>
+              </a:schemeClr>
+            </a:solidFill>
+          </a:ln>
+        </p:spPr>
+        <p:style>
+          <a:lnRef idx="2">
+            <a:schemeClr val="accent6"/>
+          </a:lnRef>
+          <a:fillRef idx="1">
+            <a:schemeClr val="lt1"/>
+          </a:fillRef>
+          <a:effectRef idx="0">
+            <a:schemeClr val="accent6"/>
+          </a:effectRef>
+          <a:fontRef idx="minor">
+            <a:schemeClr val="dk1"/>
+          </a:fontRef>
+        </p:style>
+        <p:txBody>
+          <a:bodyPr rtlCol="0" anchor="ctr"/>
+          <a:lstStyle/>
+          <a:p>
+            <a:pPr algn="ctr"/>
+            <a:endParaRPr lang="en-US" sz="1200" dirty="0">
+              <a:solidFill>
+                <a:schemeClr val="tx1"/>
+              </a:solidFill>
+            </a:endParaRPr>
+          </a:p>
+        </p:txBody>
+      </p:sp>
+      <p:sp>
+        <p:nvSpPr>
+          <p:cNvPr id="67" name="Action Button: Get Information 66">
+            <a:hlinkClick r:id="" action="ppaction://noaction" highlightClick="1"/>
+            <a:extLst>
+              <a:ext uri="{FF2B5EF4-FFF2-40B4-BE49-F238E27FC236}">
+                <a16:creationId xmlns:a16="http://schemas.microsoft.com/office/drawing/2014/main" id="{89A85A59-1451-4305-ACB5-52B16CEBA034}"/>
+              </a:ext>
+            </a:extLst>
+          </p:cNvPr>
+          <p:cNvSpPr/>
+          <p:nvPr/>
+        </p:nvSpPr>
+        <p:spPr>
+          <a:xfrm>
+            <a:off x="8923958" y="236526"/>
+            <a:ext cx="219456" cy="219456"/>
+          </a:xfrm>
+          <a:prstGeom prst="actionButtonInformation">
+            <a:avLst/>
+          </a:prstGeom>
+          <a:solidFill>
+            <a:schemeClr val="bg1">
+              <a:lumMod val="85000"/>
+            </a:schemeClr>
+          </a:solidFill>
+          <a:ln>
+            <a:solidFill>
+              <a:schemeClr val="tx1"/>
+            </a:solidFill>
+          </a:ln>
+        </p:spPr>
+        <p:style>
+          <a:lnRef idx="0">
+            <a:scrgbClr r="0" g="0" b="0"/>
+          </a:lnRef>
+          <a:fillRef idx="0">
+            <a:scrgbClr r="0" g="0" b="0"/>
+          </a:fillRef>
+          <a:effectRef idx="0">
+            <a:scrgbClr r="0" g="0" b="0"/>
+          </a:effectRef>
+          <a:fontRef idx="minor">
+            <a:schemeClr val="dk1"/>
+          </a:fontRef>
+        </p:style>
+        <p:txBody>
+          <a:bodyPr rtlCol="0" anchor="ctr"/>
+          <a:lstStyle/>
+          <a:p>
+            <a:pPr algn="ctr"/>
+            <a:endParaRPr lang="en-US"/>
+          </a:p>
+        </p:txBody>
+      </p:sp>
+      <p:sp>
+        <p:nvSpPr>
+          <p:cNvPr id="103" name="Rectangle 102">
+            <a:extLst>
+              <a:ext uri="{FF2B5EF4-FFF2-40B4-BE49-F238E27FC236}">
+                <a16:creationId xmlns:a16="http://schemas.microsoft.com/office/drawing/2014/main" id="{06BC40C0-825A-4B1F-985F-29534AB1F222}"/>
+              </a:ext>
+            </a:extLst>
+          </p:cNvPr>
+          <p:cNvSpPr/>
+          <p:nvPr/>
+        </p:nvSpPr>
+        <p:spPr>
+          <a:xfrm>
+            <a:off x="4318914" y="2217723"/>
+            <a:ext cx="1280160" cy="192024"/>
+          </a:xfrm>
+          <a:prstGeom prst="rect">
+            <a:avLst/>
+          </a:prstGeom>
+          <a:solidFill>
+            <a:schemeClr val="bg1">
+              <a:lumMod val="95000"/>
+            </a:schemeClr>
+          </a:solidFill>
+          <a:ln>
+            <a:solidFill>
+              <a:schemeClr val="tx1"/>
+            </a:solidFill>
+          </a:ln>
+        </p:spPr>
+        <p:style>
+          <a:lnRef idx="2">
+            <a:schemeClr val="accent6"/>
+          </a:lnRef>
+          <a:fillRef idx="1">
+            <a:schemeClr val="lt1"/>
+          </a:fillRef>
+          <a:effectRef idx="0">
+            <a:schemeClr val="accent6"/>
+          </a:effectRef>
+          <a:fontRef idx="minor">
+            <a:schemeClr val="dk1"/>
+          </a:fontRef>
+        </p:style>
+        <p:txBody>
+          <a:bodyPr rtlCol="0" anchor="ctr"/>
+          <a:lstStyle/>
+          <a:p>
+            <a:r>
+              <a:rPr lang="en-US" sz="1200" b="1" dirty="0">
+                <a:solidFill>
+                  <a:schemeClr val="tx1"/>
+                </a:solidFill>
+              </a:rPr>
+              <a:t>Seismic</a:t>
+            </a:r>
+          </a:p>
+        </p:txBody>
+      </p:sp>
+      <p:sp>
+        <p:nvSpPr>
+          <p:cNvPr id="138" name="Rectangle 137">
+            <a:extLst>
+              <a:ext uri="{FF2B5EF4-FFF2-40B4-BE49-F238E27FC236}">
+                <a16:creationId xmlns:a16="http://schemas.microsoft.com/office/drawing/2014/main" id="{CF50FBB5-B96D-49ED-8750-D0E2494CD833}"/>
+              </a:ext>
+            </a:extLst>
+          </p:cNvPr>
+          <p:cNvSpPr/>
+          <p:nvPr/>
+        </p:nvSpPr>
+        <p:spPr>
+          <a:xfrm>
+            <a:off x="6045360" y="6814895"/>
+            <a:ext cx="1280160" cy="228600"/>
+          </a:xfrm>
+          <a:prstGeom prst="rect">
+            <a:avLst/>
+          </a:prstGeom>
+          <a:ln/>
+        </p:spPr>
+        <p:style>
+          <a:lnRef idx="1">
+            <a:schemeClr val="dk1"/>
+          </a:lnRef>
+          <a:fillRef idx="2">
+            <a:schemeClr val="dk1"/>
+          </a:fillRef>
+          <a:effectRef idx="1">
+            <a:schemeClr val="dk1"/>
+          </a:effectRef>
+          <a:fontRef idx="minor">
+            <a:schemeClr val="dk1"/>
+          </a:fontRef>
+        </p:style>
+        <p:txBody>
+          <a:bodyPr rtlCol="0" anchor="ctr"/>
+          <a:lstStyle/>
+          <a:p>
+            <a:pPr algn="ctr"/>
+            <a:r>
+              <a:rPr lang="en-US" sz="1200" dirty="0">
+                <a:solidFill>
+                  <a:schemeClr val="tx1"/>
+                </a:solidFill>
+              </a:rPr>
+              <a:t>Run Simulation</a:t>
+            </a:r>
+          </a:p>
+        </p:txBody>
+      </p:sp>
+      <p:sp>
+        <p:nvSpPr>
+          <p:cNvPr id="104" name="Rectangle 103">
+            <a:extLst>
+              <a:ext uri="{FF2B5EF4-FFF2-40B4-BE49-F238E27FC236}">
+                <a16:creationId xmlns:a16="http://schemas.microsoft.com/office/drawing/2014/main" id="{E40F25E6-F6D9-4BAF-8485-8AA3C679B947}"/>
+              </a:ext>
+            </a:extLst>
+          </p:cNvPr>
+          <p:cNvSpPr/>
+          <p:nvPr/>
+        </p:nvSpPr>
+        <p:spPr>
+          <a:xfrm>
+            <a:off x="-677" y="239996"/>
+            <a:ext cx="1280160" cy="228600"/>
+          </a:xfrm>
+          <a:prstGeom prst="rect">
+            <a:avLst/>
+          </a:prstGeom>
+          <a:ln/>
+        </p:spPr>
+        <p:style>
+          <a:lnRef idx="1">
+            <a:schemeClr val="dk1"/>
+          </a:lnRef>
+          <a:fillRef idx="2">
+            <a:schemeClr val="dk1"/>
+          </a:fillRef>
+          <a:effectRef idx="1">
+            <a:schemeClr val="dk1"/>
+          </a:effectRef>
+          <a:fontRef idx="minor">
+            <a:schemeClr val="dk1"/>
+          </a:fontRef>
+        </p:style>
+        <p:txBody>
+          <a:bodyPr rtlCol="0" anchor="ctr"/>
+          <a:lstStyle/>
+          <a:p>
+            <a:pPr algn="ctr"/>
+            <a:r>
+              <a:rPr lang="en-US" sz="1200" dirty="0">
+                <a:solidFill>
+                  <a:schemeClr val="tx1"/>
+                </a:solidFill>
+              </a:rPr>
+              <a:t>Import Image</a:t>
+            </a:r>
+          </a:p>
+        </p:txBody>
+      </p:sp>
+      <p:grpSp>
+        <p:nvGrpSpPr>
+          <p:cNvPr id="53" name="Group 52">
+            <a:extLst>
+              <a:ext uri="{FF2B5EF4-FFF2-40B4-BE49-F238E27FC236}">
+                <a16:creationId xmlns:a16="http://schemas.microsoft.com/office/drawing/2014/main" id="{379584DF-3260-4A3F-9C4A-2B56BDF89E2D}"/>
+              </a:ext>
+            </a:extLst>
+          </p:cNvPr>
+          <p:cNvGrpSpPr/>
+          <p:nvPr/>
+        </p:nvGrpSpPr>
+        <p:grpSpPr>
+          <a:xfrm>
+            <a:off x="4319287" y="2423027"/>
+            <a:ext cx="4327008" cy="1546061"/>
+            <a:chOff x="4099362" y="2423027"/>
+            <a:chExt cx="4327008" cy="1546061"/>
+          </a:xfrm>
+        </p:grpSpPr>
+        <p:sp>
+          <p:nvSpPr>
+            <p:cNvPr id="80" name="Rectangle 79">
+              <a:extLst>
+                <a:ext uri="{FF2B5EF4-FFF2-40B4-BE49-F238E27FC236}">
+                  <a16:creationId xmlns:a16="http://schemas.microsoft.com/office/drawing/2014/main" id="{0FFF3D5D-E55F-43A3-9C1A-9AA61756B87C}"/>
+                </a:ext>
+              </a:extLst>
+            </p:cNvPr>
+            <p:cNvSpPr/>
+            <p:nvPr/>
+          </p:nvSpPr>
+          <p:spPr>
+            <a:xfrm>
+              <a:off x="7047462" y="3452745"/>
+              <a:ext cx="685800" cy="236763"/>
+            </a:xfrm>
+            <a:prstGeom prst="rect">
+              <a:avLst/>
+            </a:prstGeom>
+            <a:ln>
+              <a:solidFill>
+                <a:schemeClr val="bg1">
+                  <a:lumMod val="65000"/>
+                </a:schemeClr>
+              </a:solidFill>
+            </a:ln>
+          </p:spPr>
+          <p:style>
+            <a:lnRef idx="2">
+              <a:schemeClr val="accent6"/>
+            </a:lnRef>
+            <a:fillRef idx="1">
+              <a:schemeClr val="lt1"/>
+            </a:fillRef>
+            <a:effectRef idx="0">
+              <a:schemeClr val="accent6"/>
+            </a:effectRef>
+            <a:fontRef idx="minor">
+              <a:schemeClr val="dk1"/>
+            </a:fontRef>
+          </p:style>
+          <p:txBody>
+            <a:bodyPr rtlCol="0" anchor="ctr"/>
+            <a:lstStyle/>
+            <a:p>
+              <a:pPr algn="ctr"/>
+              <a:endParaRPr lang="en-US" sz="1200" dirty="0">
+                <a:solidFill>
+                  <a:schemeClr val="tx1"/>
+                </a:solidFill>
+              </a:endParaRPr>
+            </a:p>
+          </p:txBody>
+        </p:sp>
+        <p:sp>
+          <p:nvSpPr>
+            <p:cNvPr id="81" name="Rectangle 80">
+              <a:extLst>
+                <a:ext uri="{FF2B5EF4-FFF2-40B4-BE49-F238E27FC236}">
+                  <a16:creationId xmlns:a16="http://schemas.microsoft.com/office/drawing/2014/main" id="{DC8697D2-B860-4826-A015-B2F2450156F4}"/>
+                </a:ext>
+              </a:extLst>
+            </p:cNvPr>
+            <p:cNvSpPr/>
+            <p:nvPr/>
+          </p:nvSpPr>
+          <p:spPr>
+            <a:xfrm>
+              <a:off x="6317768" y="3124377"/>
+              <a:ext cx="731520" cy="236763"/>
+            </a:xfrm>
+            <a:prstGeom prst="rect">
+              <a:avLst/>
+            </a:prstGeom>
+            <a:solidFill>
+              <a:schemeClr val="bg1">
+                <a:lumMod val="85000"/>
+              </a:schemeClr>
+            </a:solidFill>
+            <a:ln>
+              <a:solidFill>
+                <a:schemeClr val="bg1">
+                  <a:lumMod val="85000"/>
+                </a:schemeClr>
+              </a:solidFill>
+            </a:ln>
+          </p:spPr>
+          <p:style>
+            <a:lnRef idx="2">
+              <a:schemeClr val="accent6"/>
+            </a:lnRef>
+            <a:fillRef idx="1">
+              <a:schemeClr val="lt1"/>
+            </a:fillRef>
+            <a:effectRef idx="0">
+              <a:schemeClr val="accent6"/>
+            </a:effectRef>
+            <a:fontRef idx="minor">
+              <a:schemeClr val="dk1"/>
+            </a:fontRef>
+          </p:style>
+          <p:txBody>
+            <a:bodyPr rtlCol="0" anchor="ctr"/>
+            <a:lstStyle/>
+            <a:p>
+              <a:pPr algn="r"/>
+              <a:r>
+                <a:rPr lang="en-US" sz="1200" dirty="0">
+                  <a:solidFill>
+                    <a:schemeClr val="tx1"/>
+                  </a:solidFill>
+                </a:rPr>
+                <a:t>Theta:</a:t>
+              </a:r>
+            </a:p>
+          </p:txBody>
+        </p:sp>
+        <p:sp>
+          <p:nvSpPr>
+            <p:cNvPr id="82" name="Rectangle 81">
+              <a:extLst>
+                <a:ext uri="{FF2B5EF4-FFF2-40B4-BE49-F238E27FC236}">
+                  <a16:creationId xmlns:a16="http://schemas.microsoft.com/office/drawing/2014/main" id="{99065931-83BD-467D-8A9B-AEDA97743E5B}"/>
+                </a:ext>
+              </a:extLst>
+            </p:cNvPr>
+            <p:cNvSpPr/>
+            <p:nvPr/>
+          </p:nvSpPr>
+          <p:spPr>
+            <a:xfrm>
+              <a:off x="7049288" y="3111945"/>
+              <a:ext cx="685800" cy="236763"/>
+            </a:xfrm>
+            <a:prstGeom prst="rect">
+              <a:avLst/>
+            </a:prstGeom>
+            <a:ln>
+              <a:solidFill>
+                <a:schemeClr val="bg1">
+                  <a:lumMod val="65000"/>
+                </a:schemeClr>
+              </a:solidFill>
+            </a:ln>
+          </p:spPr>
+          <p:style>
+            <a:lnRef idx="2">
+              <a:schemeClr val="accent6"/>
+            </a:lnRef>
+            <a:fillRef idx="1">
+              <a:schemeClr val="lt1"/>
+            </a:fillRef>
+            <a:effectRef idx="0">
+              <a:schemeClr val="accent6"/>
+            </a:effectRef>
+            <a:fontRef idx="minor">
+              <a:schemeClr val="dk1"/>
+            </a:fontRef>
+          </p:style>
+          <p:txBody>
+            <a:bodyPr rtlCol="0" anchor="ctr"/>
+            <a:lstStyle/>
+            <a:p>
+              <a:pPr algn="ctr"/>
+              <a:endParaRPr lang="en-US" sz="1200" dirty="0">
+                <a:solidFill>
+                  <a:schemeClr val="tx1"/>
+                </a:solidFill>
+              </a:endParaRPr>
+            </a:p>
+          </p:txBody>
+        </p:sp>
+        <p:sp>
+          <p:nvSpPr>
+            <p:cNvPr id="83" name="Rectangle 82">
+              <a:extLst>
+                <a:ext uri="{FF2B5EF4-FFF2-40B4-BE49-F238E27FC236}">
+                  <a16:creationId xmlns:a16="http://schemas.microsoft.com/office/drawing/2014/main" id="{868F9CFC-7228-4E29-B4E7-83C4D635F667}"/>
+                </a:ext>
+              </a:extLst>
+            </p:cNvPr>
+            <p:cNvSpPr/>
+            <p:nvPr/>
+          </p:nvSpPr>
+          <p:spPr>
+            <a:xfrm>
+              <a:off x="6315942" y="3439614"/>
+              <a:ext cx="731520" cy="236763"/>
+            </a:xfrm>
+            <a:prstGeom prst="rect">
+              <a:avLst/>
+            </a:prstGeom>
+            <a:solidFill>
+              <a:schemeClr val="bg1">
+                <a:lumMod val="85000"/>
+              </a:schemeClr>
+            </a:solidFill>
+            <a:ln>
+              <a:solidFill>
+                <a:schemeClr val="bg1">
+                  <a:lumMod val="85000"/>
+                </a:schemeClr>
+              </a:solidFill>
+            </a:ln>
+          </p:spPr>
+          <p:style>
+            <a:lnRef idx="2">
+              <a:schemeClr val="accent6"/>
+            </a:lnRef>
+            <a:fillRef idx="1">
+              <a:schemeClr val="lt1"/>
+            </a:fillRef>
+            <a:effectRef idx="0">
+              <a:schemeClr val="accent6"/>
+            </a:effectRef>
+            <a:fontRef idx="minor">
+              <a:schemeClr val="dk1"/>
+            </a:fontRef>
+          </p:style>
+          <p:txBody>
+            <a:bodyPr rtlCol="0" anchor="ctr"/>
+            <a:lstStyle/>
+            <a:p>
+              <a:pPr algn="r"/>
+              <a:r>
+                <a:rPr lang="en-US" sz="1200" dirty="0">
+                  <a:solidFill>
+                    <a:schemeClr val="tx1"/>
+                  </a:solidFill>
+                </a:rPr>
+                <a:t>Phi:</a:t>
+              </a:r>
+            </a:p>
+          </p:txBody>
+        </p:sp>
+        <p:grpSp>
+          <p:nvGrpSpPr>
+            <p:cNvPr id="85" name="Group 84">
+              <a:extLst>
+                <a:ext uri="{FF2B5EF4-FFF2-40B4-BE49-F238E27FC236}">
+                  <a16:creationId xmlns:a16="http://schemas.microsoft.com/office/drawing/2014/main" id="{20AC32FC-A4FE-436D-851B-C43EA142AE7E}"/>
+                </a:ext>
+              </a:extLst>
+            </p:cNvPr>
+            <p:cNvGrpSpPr/>
+            <p:nvPr/>
+          </p:nvGrpSpPr>
+          <p:grpSpPr>
+            <a:xfrm>
+              <a:off x="4198230" y="2517030"/>
+              <a:ext cx="4115909" cy="496376"/>
+              <a:chOff x="5435650" y="4179676"/>
+              <a:chExt cx="4115909" cy="496376"/>
+            </a:xfrm>
+          </p:grpSpPr>
+          <p:sp>
+            <p:nvSpPr>
+              <p:cNvPr id="68" name="Rectangle 67">
+                <a:extLst>
+                  <a:ext uri="{FF2B5EF4-FFF2-40B4-BE49-F238E27FC236}">
+                    <a16:creationId xmlns:a16="http://schemas.microsoft.com/office/drawing/2014/main" id="{F09991DB-7627-4D8D-94B3-2B6D5605CD9B}"/>
+                  </a:ext>
+                </a:extLst>
+              </p:cNvPr>
+              <p:cNvSpPr/>
+              <p:nvPr/>
+            </p:nvSpPr>
+            <p:spPr>
+              <a:xfrm>
+                <a:off x="5435650" y="4439289"/>
+                <a:ext cx="822960" cy="236763"/>
+              </a:xfrm>
+              <a:prstGeom prst="rect">
+                <a:avLst/>
+              </a:prstGeom>
+              <a:solidFill>
+                <a:schemeClr val="bg1">
+                  <a:lumMod val="85000"/>
+                </a:schemeClr>
+              </a:solidFill>
+              <a:ln>
+                <a:solidFill>
+                  <a:schemeClr val="bg1">
+                    <a:lumMod val="85000"/>
+                  </a:schemeClr>
+                </a:solidFill>
+              </a:ln>
+            </p:spPr>
+            <p:style>
+              <a:lnRef idx="2">
+                <a:schemeClr val="accent6"/>
+              </a:lnRef>
+              <a:fillRef idx="1">
+                <a:schemeClr val="lt1"/>
+              </a:fillRef>
+              <a:effectRef idx="0">
+                <a:schemeClr val="accent6"/>
+              </a:effectRef>
+              <a:fontRef idx="minor">
+                <a:schemeClr val="dk1"/>
+              </a:fontRef>
+            </p:style>
+            <p:txBody>
+              <a:bodyPr rtlCol="0" anchor="ctr"/>
+              <a:lstStyle/>
+              <a:p>
+                <a:pPr algn="r"/>
+                <a:r>
+                  <a:rPr lang="en-US" sz="1200" dirty="0">
+                    <a:solidFill>
+                      <a:schemeClr val="tx1"/>
+                    </a:solidFill>
+                  </a:rPr>
+                  <a:t>Source:</a:t>
+                </a:r>
+              </a:p>
+            </p:txBody>
+          </p:sp>
+          <p:sp>
+            <p:nvSpPr>
+              <p:cNvPr id="69" name="Rectangle 68">
+                <a:extLst>
+                  <a:ext uri="{FF2B5EF4-FFF2-40B4-BE49-F238E27FC236}">
+                    <a16:creationId xmlns:a16="http://schemas.microsoft.com/office/drawing/2014/main" id="{51F154B2-82E2-4F93-A7E5-56CBA26E74D2}"/>
+                  </a:ext>
+                </a:extLst>
+              </p:cNvPr>
+              <p:cNvSpPr/>
+              <p:nvPr/>
+            </p:nvSpPr>
+            <p:spPr>
+              <a:xfrm>
+                <a:off x="6259287" y="4438943"/>
+                <a:ext cx="685800" cy="236763"/>
+              </a:xfrm>
+              <a:prstGeom prst="rect">
+                <a:avLst/>
+              </a:prstGeom>
+              <a:ln>
+                <a:solidFill>
+                  <a:schemeClr val="bg1">
+                    <a:lumMod val="65000"/>
+                  </a:schemeClr>
+                </a:solidFill>
+              </a:ln>
+            </p:spPr>
+            <p:style>
+              <a:lnRef idx="2">
+                <a:schemeClr val="accent6"/>
+              </a:lnRef>
+              <a:fillRef idx="1">
+                <a:schemeClr val="lt1"/>
+              </a:fillRef>
+              <a:effectRef idx="0">
+                <a:schemeClr val="accent6"/>
+              </a:effectRef>
+              <a:fontRef idx="minor">
+                <a:schemeClr val="dk1"/>
+              </a:fontRef>
+            </p:style>
+            <p:txBody>
+              <a:bodyPr rtlCol="0" anchor="ctr"/>
+              <a:lstStyle/>
+              <a:p>
+                <a:pPr algn="ctr"/>
+                <a:endParaRPr lang="en-US" sz="1200" dirty="0">
+                  <a:solidFill>
+                    <a:schemeClr val="tx1"/>
+                  </a:solidFill>
+                </a:endParaRPr>
+              </a:p>
+            </p:txBody>
+          </p:sp>
+          <p:sp>
+            <p:nvSpPr>
+              <p:cNvPr id="70" name="Rectangle 69">
+                <a:extLst>
+                  <a:ext uri="{FF2B5EF4-FFF2-40B4-BE49-F238E27FC236}">
+                    <a16:creationId xmlns:a16="http://schemas.microsoft.com/office/drawing/2014/main" id="{E0F69AB1-8614-40C6-B6A5-D69F94870EC4}"/>
+                  </a:ext>
+                </a:extLst>
+              </p:cNvPr>
+              <p:cNvSpPr/>
+              <p:nvPr/>
+            </p:nvSpPr>
+            <p:spPr>
+              <a:xfrm>
+                <a:off x="6259287" y="4179676"/>
+                <a:ext cx="685800" cy="236763"/>
+              </a:xfrm>
+              <a:prstGeom prst="rect">
+                <a:avLst/>
+              </a:prstGeom>
+              <a:solidFill>
+                <a:schemeClr val="bg1">
+                  <a:lumMod val="85000"/>
+                </a:schemeClr>
+              </a:solidFill>
+              <a:ln>
+                <a:solidFill>
+                  <a:schemeClr val="bg1">
+                    <a:lumMod val="85000"/>
+                  </a:schemeClr>
+                </a:solidFill>
+              </a:ln>
+            </p:spPr>
+            <p:style>
+              <a:lnRef idx="2">
+                <a:schemeClr val="accent6"/>
+              </a:lnRef>
+              <a:fillRef idx="1">
+                <a:schemeClr val="lt1"/>
+              </a:fillRef>
+              <a:effectRef idx="0">
+                <a:schemeClr val="accent6"/>
+              </a:effectRef>
+              <a:fontRef idx="minor">
+                <a:schemeClr val="dk1"/>
+              </a:fontRef>
+            </p:style>
+            <p:txBody>
+              <a:bodyPr rtlCol="0" anchor="ctr"/>
+              <a:lstStyle/>
+              <a:p>
+                <a:pPr algn="ctr"/>
+                <a:r>
+                  <a:rPr lang="en-US" sz="1200" dirty="0">
+                    <a:solidFill>
+                      <a:schemeClr val="tx1"/>
+                    </a:solidFill>
+                  </a:rPr>
+                  <a:t>x </a:t>
+                </a:r>
+              </a:p>
+            </p:txBody>
+          </p:sp>
+          <p:sp>
+            <p:nvSpPr>
+              <p:cNvPr id="71" name="Rectangle 70">
+                <a:extLst>
+                  <a:ext uri="{FF2B5EF4-FFF2-40B4-BE49-F238E27FC236}">
+                    <a16:creationId xmlns:a16="http://schemas.microsoft.com/office/drawing/2014/main" id="{3E0FDF76-470F-483F-A7C2-5477BBD57B33}"/>
+                  </a:ext>
+                </a:extLst>
+              </p:cNvPr>
+              <p:cNvSpPr/>
+              <p:nvPr/>
+            </p:nvSpPr>
+            <p:spPr>
+              <a:xfrm>
+                <a:off x="7143750" y="4436897"/>
+                <a:ext cx="685800" cy="236763"/>
+              </a:xfrm>
+              <a:prstGeom prst="rect">
+                <a:avLst/>
+              </a:prstGeom>
+              <a:ln>
+                <a:solidFill>
+                  <a:schemeClr val="bg1">
+                    <a:lumMod val="65000"/>
+                  </a:schemeClr>
+                </a:solidFill>
+              </a:ln>
+            </p:spPr>
+            <p:style>
+              <a:lnRef idx="2">
+                <a:schemeClr val="accent6"/>
+              </a:lnRef>
+              <a:fillRef idx="1">
+                <a:schemeClr val="lt1"/>
+              </a:fillRef>
+              <a:effectRef idx="0">
+                <a:schemeClr val="accent6"/>
+              </a:effectRef>
+              <a:fontRef idx="minor">
+                <a:schemeClr val="dk1"/>
+              </a:fontRef>
+            </p:style>
+            <p:txBody>
+              <a:bodyPr rtlCol="0" anchor="ctr"/>
+              <a:lstStyle/>
+              <a:p>
+                <a:pPr algn="ctr"/>
+                <a:endParaRPr lang="en-US" sz="1200" dirty="0">
+                  <a:solidFill>
+                    <a:schemeClr val="tx1"/>
+                  </a:solidFill>
+                </a:endParaRPr>
+              </a:p>
+            </p:txBody>
+          </p:sp>
+          <p:sp>
+            <p:nvSpPr>
+              <p:cNvPr id="72" name="Rectangle 71">
+                <a:extLst>
+                  <a:ext uri="{FF2B5EF4-FFF2-40B4-BE49-F238E27FC236}">
+                    <a16:creationId xmlns:a16="http://schemas.microsoft.com/office/drawing/2014/main" id="{D6FD682C-CF81-4227-AED5-7B31C0F04984}"/>
+                  </a:ext>
+                </a:extLst>
+              </p:cNvPr>
+              <p:cNvSpPr/>
+              <p:nvPr/>
+            </p:nvSpPr>
+            <p:spPr>
+              <a:xfrm>
+                <a:off x="8028213" y="4436896"/>
+                <a:ext cx="685800" cy="236763"/>
+              </a:xfrm>
+              <a:prstGeom prst="rect">
+                <a:avLst/>
+              </a:prstGeom>
+              <a:ln>
+                <a:solidFill>
+                  <a:schemeClr val="bg1">
+                    <a:lumMod val="65000"/>
+                  </a:schemeClr>
+                </a:solidFill>
+              </a:ln>
+            </p:spPr>
+            <p:style>
+              <a:lnRef idx="2">
+                <a:schemeClr val="accent6"/>
+              </a:lnRef>
+              <a:fillRef idx="1">
+                <a:schemeClr val="lt1"/>
+              </a:fillRef>
+              <a:effectRef idx="0">
+                <a:schemeClr val="accent6"/>
+              </a:effectRef>
+              <a:fontRef idx="minor">
+                <a:schemeClr val="dk1"/>
+              </a:fontRef>
+            </p:style>
+            <p:txBody>
+              <a:bodyPr rtlCol="0" anchor="ctr"/>
+              <a:lstStyle/>
+              <a:p>
+                <a:pPr algn="ctr"/>
+                <a:endParaRPr lang="en-US" sz="1200" dirty="0">
+                  <a:solidFill>
+                    <a:schemeClr val="tx1"/>
+                  </a:solidFill>
+                </a:endParaRPr>
+              </a:p>
+            </p:txBody>
+          </p:sp>
+          <p:sp>
+            <p:nvSpPr>
+              <p:cNvPr id="73" name="Rectangle 72">
+                <a:extLst>
+                  <a:ext uri="{FF2B5EF4-FFF2-40B4-BE49-F238E27FC236}">
+                    <a16:creationId xmlns:a16="http://schemas.microsoft.com/office/drawing/2014/main" id="{2EF41DE1-CFCF-488C-B264-027CCEFD7E7A}"/>
+                  </a:ext>
+                </a:extLst>
+              </p:cNvPr>
+              <p:cNvSpPr/>
+              <p:nvPr/>
+            </p:nvSpPr>
+            <p:spPr>
+              <a:xfrm>
+                <a:off x="7143750" y="4181731"/>
+                <a:ext cx="685800" cy="236763"/>
+              </a:xfrm>
+              <a:prstGeom prst="rect">
+                <a:avLst/>
+              </a:prstGeom>
+              <a:solidFill>
+                <a:schemeClr val="bg1">
+                  <a:lumMod val="85000"/>
+                </a:schemeClr>
+              </a:solidFill>
+              <a:ln>
+                <a:solidFill>
+                  <a:schemeClr val="bg1">
+                    <a:lumMod val="85000"/>
+                  </a:schemeClr>
+                </a:solidFill>
+              </a:ln>
+            </p:spPr>
+            <p:style>
+              <a:lnRef idx="2">
+                <a:schemeClr val="accent6"/>
+              </a:lnRef>
+              <a:fillRef idx="1">
+                <a:schemeClr val="lt1"/>
+              </a:fillRef>
+              <a:effectRef idx="0">
+                <a:schemeClr val="accent6"/>
+              </a:effectRef>
+              <a:fontRef idx="minor">
+                <a:schemeClr val="dk1"/>
+              </a:fontRef>
+            </p:style>
+            <p:txBody>
+              <a:bodyPr rtlCol="0" anchor="ctr"/>
+              <a:lstStyle/>
+              <a:p>
+                <a:pPr algn="ctr"/>
+                <a:r>
+                  <a:rPr lang="en-US" sz="1200" dirty="0">
+                    <a:solidFill>
+                      <a:schemeClr val="tx1"/>
+                    </a:solidFill>
+                  </a:rPr>
+                  <a:t>y</a:t>
+                </a:r>
+              </a:p>
+            </p:txBody>
+          </p:sp>
+          <p:sp>
+            <p:nvSpPr>
+              <p:cNvPr id="74" name="Rectangle 73">
+                <a:extLst>
+                  <a:ext uri="{FF2B5EF4-FFF2-40B4-BE49-F238E27FC236}">
+                    <a16:creationId xmlns:a16="http://schemas.microsoft.com/office/drawing/2014/main" id="{A82F3CC3-E435-4F2B-8036-C79DF4F6874B}"/>
+                  </a:ext>
+                </a:extLst>
+              </p:cNvPr>
+              <p:cNvSpPr/>
+              <p:nvPr/>
+            </p:nvSpPr>
+            <p:spPr>
+              <a:xfrm>
+                <a:off x="8028213" y="4182761"/>
+                <a:ext cx="685800" cy="236763"/>
+              </a:xfrm>
+              <a:prstGeom prst="rect">
+                <a:avLst/>
+              </a:prstGeom>
+              <a:solidFill>
+                <a:schemeClr val="bg1">
+                  <a:lumMod val="85000"/>
+                </a:schemeClr>
+              </a:solidFill>
+              <a:ln>
+                <a:solidFill>
+                  <a:schemeClr val="bg1">
+                    <a:lumMod val="85000"/>
+                  </a:schemeClr>
+                </a:solidFill>
+              </a:ln>
+            </p:spPr>
+            <p:style>
+              <a:lnRef idx="2">
+                <a:schemeClr val="accent6"/>
+              </a:lnRef>
+              <a:fillRef idx="1">
+                <a:schemeClr val="lt1"/>
+              </a:fillRef>
+              <a:effectRef idx="0">
+                <a:schemeClr val="accent6"/>
+              </a:effectRef>
+              <a:fontRef idx="minor">
+                <a:schemeClr val="dk1"/>
+              </a:fontRef>
+            </p:style>
+            <p:txBody>
+              <a:bodyPr rtlCol="0" anchor="ctr"/>
+              <a:lstStyle/>
+              <a:p>
+                <a:pPr algn="ctr"/>
+                <a:r>
+                  <a:rPr lang="en-US" sz="1200" dirty="0">
+                    <a:solidFill>
+                      <a:schemeClr val="tx1"/>
+                    </a:solidFill>
+                  </a:rPr>
+                  <a:t>z </a:t>
+                </a:r>
+              </a:p>
+            </p:txBody>
+          </p:sp>
+          <p:sp>
+            <p:nvSpPr>
+              <p:cNvPr id="135" name="Rectangle 134">
+                <a:extLst>
+                  <a:ext uri="{FF2B5EF4-FFF2-40B4-BE49-F238E27FC236}">
+                    <a16:creationId xmlns:a16="http://schemas.microsoft.com/office/drawing/2014/main" id="{D1931707-F535-4009-A03F-7D1BD6740E49}"/>
+                  </a:ext>
+                </a:extLst>
+              </p:cNvPr>
+              <p:cNvSpPr/>
+              <p:nvPr/>
+            </p:nvSpPr>
+            <p:spPr>
+              <a:xfrm>
+                <a:off x="8728599" y="4430511"/>
+                <a:ext cx="822960" cy="236763"/>
+              </a:xfrm>
+              <a:prstGeom prst="rect">
+                <a:avLst/>
+              </a:prstGeom>
+              <a:solidFill>
+                <a:schemeClr val="bg1">
+                  <a:lumMod val="85000"/>
+                </a:schemeClr>
+              </a:solidFill>
+              <a:ln>
+                <a:solidFill>
+                  <a:schemeClr val="bg1">
+                    <a:lumMod val="85000"/>
+                  </a:schemeClr>
+                </a:solidFill>
+              </a:ln>
+            </p:spPr>
+            <p:style>
+              <a:lnRef idx="2">
+                <a:schemeClr val="accent6"/>
+              </a:lnRef>
+              <a:fillRef idx="1">
+                <a:schemeClr val="lt1"/>
+              </a:fillRef>
+              <a:effectRef idx="0">
+                <a:schemeClr val="accent6"/>
+              </a:effectRef>
+              <a:fontRef idx="minor">
+                <a:schemeClr val="dk1"/>
+              </a:fontRef>
+            </p:style>
+            <p:txBody>
+              <a:bodyPr rtlCol="0" anchor="ctr"/>
+              <a:lstStyle/>
+              <a:p>
+                <a:r>
+                  <a:rPr lang="en-US" sz="1200" dirty="0">
+                    <a:solidFill>
+                      <a:schemeClr val="tx1"/>
+                    </a:solidFill>
+                  </a:rPr>
+                  <a:t>meters</a:t>
+                </a:r>
+              </a:p>
+            </p:txBody>
+          </p:sp>
+        </p:grpSp>
+        <p:sp>
+          <p:nvSpPr>
+            <p:cNvPr id="77" name="Rectangle 76">
+              <a:extLst>
+                <a:ext uri="{FF2B5EF4-FFF2-40B4-BE49-F238E27FC236}">
+                  <a16:creationId xmlns:a16="http://schemas.microsoft.com/office/drawing/2014/main" id="{6E8F8D02-EAB5-4A74-AC76-E4BD10665EBC}"/>
+                </a:ext>
+              </a:extLst>
+            </p:cNvPr>
+            <p:cNvSpPr/>
+            <p:nvPr/>
+          </p:nvSpPr>
+          <p:spPr>
+            <a:xfrm>
+              <a:off x="4483876" y="3481254"/>
+              <a:ext cx="914400" cy="236763"/>
+            </a:xfrm>
+            <a:prstGeom prst="rect">
+              <a:avLst/>
+            </a:prstGeom>
+            <a:solidFill>
+              <a:schemeClr val="bg1">
+                <a:lumMod val="85000"/>
+              </a:schemeClr>
+            </a:solidFill>
+            <a:ln>
+              <a:solidFill>
+                <a:schemeClr val="bg1">
+                  <a:lumMod val="85000"/>
+                </a:schemeClr>
+              </a:solidFill>
+            </a:ln>
+          </p:spPr>
+          <p:style>
+            <a:lnRef idx="2">
+              <a:schemeClr val="accent6"/>
+            </a:lnRef>
+            <a:fillRef idx="1">
+              <a:schemeClr val="lt1"/>
+            </a:fillRef>
+            <a:effectRef idx="0">
+              <a:schemeClr val="accent6"/>
+            </a:effectRef>
+            <a:fontRef idx="minor">
+              <a:schemeClr val="dk1"/>
+            </a:fontRef>
+          </p:style>
+          <p:txBody>
+            <a:bodyPr rtlCol="0" anchor="ctr"/>
+            <a:lstStyle/>
+            <a:p>
+              <a:pPr algn="r"/>
+              <a:r>
+                <a:rPr lang="en-US" sz="1200" dirty="0">
+                  <a:solidFill>
+                    <a:schemeClr val="tx1"/>
+                  </a:solidFill>
+                </a:rPr>
+                <a:t>Frequency:</a:t>
+              </a:r>
+            </a:p>
+          </p:txBody>
+        </p:sp>
+        <p:sp>
+          <p:nvSpPr>
+            <p:cNvPr id="78" name="Rectangle 77">
+              <a:extLst>
+                <a:ext uri="{FF2B5EF4-FFF2-40B4-BE49-F238E27FC236}">
+                  <a16:creationId xmlns:a16="http://schemas.microsoft.com/office/drawing/2014/main" id="{E65C758F-E68D-4F25-8F4F-94E120A810FF}"/>
+                </a:ext>
+              </a:extLst>
+            </p:cNvPr>
+            <p:cNvSpPr/>
+            <p:nvPr/>
+          </p:nvSpPr>
+          <p:spPr>
+            <a:xfrm>
+              <a:off x="5350466" y="3477293"/>
+              <a:ext cx="685800" cy="236763"/>
+            </a:xfrm>
+            <a:prstGeom prst="rect">
+              <a:avLst/>
+            </a:prstGeom>
+            <a:ln>
+              <a:solidFill>
+                <a:schemeClr val="bg1">
+                  <a:lumMod val="65000"/>
+                </a:schemeClr>
+              </a:solidFill>
+            </a:ln>
+          </p:spPr>
+          <p:style>
+            <a:lnRef idx="2">
+              <a:schemeClr val="accent6"/>
+            </a:lnRef>
+            <a:fillRef idx="1">
+              <a:schemeClr val="lt1"/>
+            </a:fillRef>
+            <a:effectRef idx="0">
+              <a:schemeClr val="accent6"/>
+            </a:effectRef>
+            <a:fontRef idx="minor">
+              <a:schemeClr val="dk1"/>
+            </a:fontRef>
+          </p:style>
+          <p:txBody>
+            <a:bodyPr rtlCol="0" anchor="ctr"/>
+            <a:lstStyle/>
+            <a:p>
+              <a:pPr algn="ctr"/>
+              <a:endParaRPr lang="en-US" sz="1200" dirty="0">
+                <a:solidFill>
+                  <a:schemeClr val="tx1"/>
+                </a:solidFill>
+              </a:endParaRPr>
+            </a:p>
+          </p:txBody>
+        </p:sp>
+        <p:sp>
+          <p:nvSpPr>
+            <p:cNvPr id="86" name="Rectangle 85">
+              <a:extLst>
+                <a:ext uri="{FF2B5EF4-FFF2-40B4-BE49-F238E27FC236}">
+                  <a16:creationId xmlns:a16="http://schemas.microsoft.com/office/drawing/2014/main" id="{A3FA1FA4-8D2B-43AF-9335-1E6D3FDFEEF6}"/>
+                </a:ext>
+              </a:extLst>
+            </p:cNvPr>
+            <p:cNvSpPr/>
+            <p:nvPr/>
+          </p:nvSpPr>
+          <p:spPr>
+            <a:xfrm>
+              <a:off x="4433322" y="3129913"/>
+              <a:ext cx="914400" cy="236763"/>
+            </a:xfrm>
+            <a:prstGeom prst="rect">
+              <a:avLst/>
+            </a:prstGeom>
+            <a:solidFill>
+              <a:schemeClr val="bg1">
+                <a:lumMod val="85000"/>
+              </a:schemeClr>
+            </a:solidFill>
+            <a:ln>
+              <a:solidFill>
+                <a:schemeClr val="bg1">
+                  <a:lumMod val="85000"/>
+                </a:schemeClr>
+              </a:solidFill>
+            </a:ln>
+          </p:spPr>
+          <p:style>
+            <a:lnRef idx="2">
+              <a:schemeClr val="accent6"/>
+            </a:lnRef>
+            <a:fillRef idx="1">
+              <a:schemeClr val="lt1"/>
+            </a:fillRef>
+            <a:effectRef idx="0">
+              <a:schemeClr val="accent6"/>
+            </a:effectRef>
+            <a:fontRef idx="minor">
+              <a:schemeClr val="dk1"/>
+            </a:fontRef>
+          </p:style>
+          <p:txBody>
+            <a:bodyPr rtlCol="0" anchor="ctr"/>
+            <a:lstStyle/>
+            <a:p>
+              <a:pPr algn="r"/>
+              <a:r>
+                <a:rPr lang="en-US" sz="1200" dirty="0">
+                  <a:solidFill>
+                    <a:schemeClr val="tx1"/>
+                  </a:solidFill>
+                </a:rPr>
+                <a:t>Time Step:</a:t>
+              </a:r>
+            </a:p>
+          </p:txBody>
+        </p:sp>
+        <p:sp>
+          <p:nvSpPr>
+            <p:cNvPr id="87" name="Rectangle 86">
+              <a:extLst>
+                <a:ext uri="{FF2B5EF4-FFF2-40B4-BE49-F238E27FC236}">
+                  <a16:creationId xmlns:a16="http://schemas.microsoft.com/office/drawing/2014/main" id="{F50B9038-FD6F-4A64-A0FC-80557506F9AB}"/>
+                </a:ext>
+              </a:extLst>
+            </p:cNvPr>
+            <p:cNvSpPr/>
+            <p:nvPr/>
+          </p:nvSpPr>
+          <p:spPr>
+            <a:xfrm>
+              <a:off x="5342585" y="3138155"/>
+              <a:ext cx="685800" cy="236763"/>
+            </a:xfrm>
+            <a:prstGeom prst="rect">
+              <a:avLst/>
+            </a:prstGeom>
+            <a:ln>
+              <a:solidFill>
+                <a:schemeClr val="bg1">
+                  <a:lumMod val="65000"/>
+                </a:schemeClr>
+              </a:solidFill>
+            </a:ln>
+          </p:spPr>
+          <p:style>
+            <a:lnRef idx="2">
+              <a:schemeClr val="accent6"/>
+            </a:lnRef>
+            <a:fillRef idx="1">
+              <a:schemeClr val="lt1"/>
+            </a:fillRef>
+            <a:effectRef idx="0">
+              <a:schemeClr val="accent6"/>
+            </a:effectRef>
+            <a:fontRef idx="minor">
+              <a:schemeClr val="dk1"/>
+            </a:fontRef>
+          </p:style>
+          <p:txBody>
+            <a:bodyPr rtlCol="0" anchor="ctr"/>
+            <a:lstStyle/>
+            <a:p>
+              <a:pPr algn="ctr"/>
+              <a:endParaRPr lang="en-US" sz="1200" dirty="0">
+                <a:solidFill>
+                  <a:schemeClr val="tx1"/>
+                </a:solidFill>
+              </a:endParaRPr>
+            </a:p>
+          </p:txBody>
+        </p:sp>
+        <p:sp>
+          <p:nvSpPr>
+            <p:cNvPr id="2" name="Rectangle 1">
+              <a:extLst>
+                <a:ext uri="{FF2B5EF4-FFF2-40B4-BE49-F238E27FC236}">
+                  <a16:creationId xmlns:a16="http://schemas.microsoft.com/office/drawing/2014/main" id="{6AF7A0EF-60D6-4DFE-8693-104018CD1451}"/>
+                </a:ext>
+              </a:extLst>
+            </p:cNvPr>
+            <p:cNvSpPr/>
+            <p:nvPr/>
+          </p:nvSpPr>
+          <p:spPr>
+            <a:xfrm>
+              <a:off x="4099362" y="2423027"/>
+              <a:ext cx="4327008" cy="1546061"/>
+            </a:xfrm>
+            <a:prstGeom prst="rect">
+              <a:avLst/>
+            </a:prstGeom>
+            <a:noFill/>
+          </p:spPr>
+          <p:style>
+            <a:lnRef idx="2">
+              <a:schemeClr val="accent1">
+                <a:shade val="50000"/>
+              </a:schemeClr>
+            </a:lnRef>
+            <a:fillRef idx="1">
+              <a:schemeClr val="accent1"/>
+            </a:fillRef>
+            <a:effectRef idx="0">
+              <a:schemeClr val="accent1"/>
+            </a:effectRef>
+            <a:fontRef idx="minor">
+              <a:schemeClr val="lt1"/>
+            </a:fontRef>
+          </p:style>
+          <p:txBody>
+            <a:bodyPr rtlCol="0" anchor="ctr"/>
+            <a:lstStyle/>
+            <a:p>
+              <a:pPr algn="ctr"/>
+              <a:endParaRPr lang="en-US"/>
+            </a:p>
+          </p:txBody>
+        </p:sp>
+      </p:grpSp>
+      <p:sp>
+        <p:nvSpPr>
+          <p:cNvPr id="106" name="Rectangle 105">
+            <a:extLst>
+              <a:ext uri="{FF2B5EF4-FFF2-40B4-BE49-F238E27FC236}">
+                <a16:creationId xmlns:a16="http://schemas.microsoft.com/office/drawing/2014/main" id="{390580E7-A1E1-4176-811F-593BD7C47F2D}"/>
+              </a:ext>
+            </a:extLst>
+          </p:cNvPr>
+          <p:cNvSpPr/>
+          <p:nvPr/>
+        </p:nvSpPr>
+        <p:spPr>
+          <a:xfrm>
+            <a:off x="5596933" y="2221696"/>
+            <a:ext cx="1280160" cy="182880"/>
+          </a:xfrm>
+          <a:prstGeom prst="rect">
+            <a:avLst/>
+          </a:prstGeom>
+          <a:solidFill>
+            <a:schemeClr val="bg1">
+              <a:lumMod val="75000"/>
+            </a:schemeClr>
+          </a:solidFill>
+          <a:ln>
+            <a:solidFill>
+              <a:schemeClr val="tx1"/>
+            </a:solidFill>
+          </a:ln>
+        </p:spPr>
+        <p:style>
+          <a:lnRef idx="2">
+            <a:schemeClr val="accent6"/>
+          </a:lnRef>
+          <a:fillRef idx="1">
+            <a:schemeClr val="lt1"/>
+          </a:fillRef>
+          <a:effectRef idx="0">
+            <a:schemeClr val="accent6"/>
+          </a:effectRef>
+          <a:fontRef idx="minor">
+            <a:schemeClr val="dk1"/>
+          </a:fontRef>
+        </p:style>
+        <p:txBody>
+          <a:bodyPr rtlCol="0" anchor="ctr"/>
+          <a:lstStyle/>
+          <a:p>
+            <a:r>
+              <a:rPr lang="en-US" sz="1200" b="1" dirty="0">
+                <a:solidFill>
+                  <a:schemeClr val="tx1"/>
+                </a:solidFill>
+              </a:rPr>
+              <a:t>Electromagnetic</a:t>
+            </a:r>
+          </a:p>
+        </p:txBody>
+      </p:sp>
+      <p:sp>
+        <p:nvSpPr>
+          <p:cNvPr id="115" name="Oval 114">
+            <a:extLst>
+              <a:ext uri="{FF2B5EF4-FFF2-40B4-BE49-F238E27FC236}">
+                <a16:creationId xmlns:a16="http://schemas.microsoft.com/office/drawing/2014/main" id="{CAE450DE-FFB6-4C2B-9703-DFD5CC8ABBD4}"/>
+              </a:ext>
+            </a:extLst>
+          </p:cNvPr>
+          <p:cNvSpPr/>
+          <p:nvPr/>
+        </p:nvSpPr>
+        <p:spPr>
+          <a:xfrm>
+            <a:off x="7350539" y="5032745"/>
+            <a:ext cx="130990" cy="130990"/>
+          </a:xfrm>
+          <a:prstGeom prst="ellipse">
+            <a:avLst/>
+          </a:prstGeom>
+        </p:spPr>
+        <p:style>
+          <a:lnRef idx="2">
+            <a:schemeClr val="dk1">
+              <a:shade val="50000"/>
+            </a:schemeClr>
+          </a:lnRef>
+          <a:fillRef idx="1">
+            <a:schemeClr val="dk1"/>
+          </a:fillRef>
+          <a:effectRef idx="0">
+            <a:schemeClr val="dk1"/>
+          </a:effectRef>
+          <a:fontRef idx="minor">
+            <a:schemeClr val="lt1"/>
+          </a:fontRef>
+        </p:style>
+        <p:txBody>
+          <a:bodyPr rtlCol="0" anchor="ctr"/>
+          <a:lstStyle/>
+          <a:p>
+            <a:pPr algn="ctr"/>
+            <a:endParaRPr lang="en-US"/>
+          </a:p>
+        </p:txBody>
+      </p:sp>
+      <p:grpSp>
+        <p:nvGrpSpPr>
+          <p:cNvPr id="25" name="Group 24">
+            <a:extLst>
+              <a:ext uri="{FF2B5EF4-FFF2-40B4-BE49-F238E27FC236}">
+                <a16:creationId xmlns:a16="http://schemas.microsoft.com/office/drawing/2014/main" id="{222E379C-175E-4270-9583-AEB4E0D7C0F3}"/>
+              </a:ext>
+            </a:extLst>
+          </p:cNvPr>
+          <p:cNvGrpSpPr/>
+          <p:nvPr/>
+        </p:nvGrpSpPr>
+        <p:grpSpPr>
+          <a:xfrm>
+            <a:off x="4059793" y="825142"/>
+            <a:ext cx="3628853" cy="274103"/>
+            <a:chOff x="4106094" y="825142"/>
+            <a:chExt cx="3628853" cy="274103"/>
+          </a:xfrm>
+        </p:grpSpPr>
+        <p:grpSp>
+          <p:nvGrpSpPr>
+            <p:cNvPr id="31" name="Group 30">
+              <a:extLst>
+                <a:ext uri="{FF2B5EF4-FFF2-40B4-BE49-F238E27FC236}">
+                  <a16:creationId xmlns:a16="http://schemas.microsoft.com/office/drawing/2014/main" id="{2714EC7F-A4DF-42CB-AAC0-FCEA4827FFC9}"/>
+                </a:ext>
+              </a:extLst>
+            </p:cNvPr>
+            <p:cNvGrpSpPr/>
+            <p:nvPr/>
+          </p:nvGrpSpPr>
+          <p:grpSpPr>
+            <a:xfrm>
+              <a:off x="4106094" y="825142"/>
+              <a:ext cx="3628853" cy="274103"/>
+              <a:chOff x="443594" y="634345"/>
+              <a:chExt cx="3628853" cy="274103"/>
+            </a:xfrm>
+          </p:grpSpPr>
+          <p:sp>
+            <p:nvSpPr>
+              <p:cNvPr id="24" name="Rectangle 23">
+                <a:extLst>
+                  <a:ext uri="{FF2B5EF4-FFF2-40B4-BE49-F238E27FC236}">
+                    <a16:creationId xmlns:a16="http://schemas.microsoft.com/office/drawing/2014/main" id="{F41B85BF-C729-4C35-A8C9-3E2E35EE9D89}"/>
+                  </a:ext>
+                </a:extLst>
+              </p:cNvPr>
+              <p:cNvSpPr/>
+              <p:nvPr/>
+            </p:nvSpPr>
+            <p:spPr>
+              <a:xfrm>
+                <a:off x="443594" y="644945"/>
+                <a:ext cx="2696568" cy="263503"/>
+              </a:xfrm>
+              <a:prstGeom prst="rect">
+                <a:avLst/>
+              </a:prstGeom>
+              <a:solidFill>
+                <a:schemeClr val="bg1">
+                  <a:lumMod val="85000"/>
+                </a:schemeClr>
+              </a:solidFill>
+              <a:ln>
+                <a:solidFill>
+                  <a:schemeClr val="bg1">
+                    <a:lumMod val="85000"/>
+                  </a:schemeClr>
+                </a:solidFill>
+              </a:ln>
+            </p:spPr>
+            <p:style>
+              <a:lnRef idx="2">
+                <a:schemeClr val="accent6"/>
+              </a:lnRef>
+              <a:fillRef idx="1">
+                <a:schemeClr val="lt1"/>
+              </a:fillRef>
+              <a:effectRef idx="0">
+                <a:schemeClr val="accent6"/>
+              </a:effectRef>
+              <a:fontRef idx="minor">
+                <a:schemeClr val="dk1"/>
+              </a:fontRef>
+            </p:style>
+            <p:txBody>
+              <a:bodyPr rtlCol="0" anchor="ctr"/>
+              <a:lstStyle/>
+              <a:p>
+                <a:pPr algn="r"/>
+                <a:r>
+                  <a:rPr lang="en-US" sz="1200" dirty="0">
+                    <a:solidFill>
+                      <a:schemeClr val="tx1"/>
+                    </a:solidFill>
+                  </a:rPr>
+                  <a:t>Number of dimensions to be plotted:</a:t>
+                </a:r>
+              </a:p>
+            </p:txBody>
+          </p:sp>
+          <p:sp>
+            <p:nvSpPr>
+              <p:cNvPr id="28" name="Rectangle 27">
+                <a:extLst>
+                  <a:ext uri="{FF2B5EF4-FFF2-40B4-BE49-F238E27FC236}">
+                    <a16:creationId xmlns:a16="http://schemas.microsoft.com/office/drawing/2014/main" id="{2FE29A2C-A4A0-4E19-B166-7A506CCE9374}"/>
+                  </a:ext>
+                </a:extLst>
+              </p:cNvPr>
+              <p:cNvSpPr/>
+              <p:nvPr/>
+            </p:nvSpPr>
+            <p:spPr>
+              <a:xfrm>
+                <a:off x="3264211" y="644102"/>
+                <a:ext cx="242212" cy="236763"/>
+              </a:xfrm>
+              <a:prstGeom prst="rect">
+                <a:avLst/>
+              </a:prstGeom>
+              <a:solidFill>
+                <a:schemeClr val="bg1">
+                  <a:lumMod val="85000"/>
+                </a:schemeClr>
+              </a:solidFill>
+              <a:ln>
+                <a:solidFill>
+                  <a:schemeClr val="bg1">
+                    <a:lumMod val="85000"/>
+                  </a:schemeClr>
+                </a:solidFill>
+              </a:ln>
+            </p:spPr>
+            <p:style>
+              <a:lnRef idx="2">
+                <a:schemeClr val="accent6"/>
+              </a:lnRef>
+              <a:fillRef idx="1">
+                <a:schemeClr val="lt1"/>
+              </a:fillRef>
+              <a:effectRef idx="0">
+                <a:schemeClr val="accent6"/>
+              </a:effectRef>
+              <a:fontRef idx="minor">
+                <a:schemeClr val="dk1"/>
+              </a:fontRef>
+            </p:style>
+            <p:txBody>
+              <a:bodyPr rtlCol="0" anchor="ctr"/>
+              <a:lstStyle/>
+              <a:p>
+                <a:pPr algn="r"/>
+                <a:r>
+                  <a:rPr lang="en-US" sz="1200" dirty="0">
+                    <a:solidFill>
+                      <a:schemeClr val="tx1"/>
+                    </a:solidFill>
+                  </a:rPr>
+                  <a:t>2</a:t>
+                </a:r>
+              </a:p>
+            </p:txBody>
+          </p:sp>
+          <p:sp>
+            <p:nvSpPr>
+              <p:cNvPr id="29" name="Rectangle 28">
+                <a:extLst>
+                  <a:ext uri="{FF2B5EF4-FFF2-40B4-BE49-F238E27FC236}">
+                    <a16:creationId xmlns:a16="http://schemas.microsoft.com/office/drawing/2014/main" id="{3D97598A-75DF-4DD2-8ABC-CFC2DC8D29FE}"/>
+                  </a:ext>
+                </a:extLst>
+              </p:cNvPr>
+              <p:cNvSpPr/>
+              <p:nvPr/>
+            </p:nvSpPr>
+            <p:spPr>
+              <a:xfrm>
+                <a:off x="3667979" y="634345"/>
+                <a:ext cx="404468" cy="236763"/>
+              </a:xfrm>
+              <a:prstGeom prst="rect">
+                <a:avLst/>
+              </a:prstGeom>
+              <a:solidFill>
+                <a:schemeClr val="bg1">
+                  <a:lumMod val="85000"/>
+                </a:schemeClr>
+              </a:solidFill>
+              <a:ln>
+                <a:solidFill>
+                  <a:schemeClr val="bg1">
+                    <a:lumMod val="85000"/>
+                  </a:schemeClr>
+                </a:solidFill>
+              </a:ln>
+            </p:spPr>
+            <p:style>
+              <a:lnRef idx="2">
+                <a:schemeClr val="accent6"/>
+              </a:lnRef>
+              <a:fillRef idx="1">
+                <a:schemeClr val="lt1"/>
+              </a:fillRef>
+              <a:effectRef idx="0">
+                <a:schemeClr val="accent6"/>
+              </a:effectRef>
+              <a:fontRef idx="minor">
+                <a:schemeClr val="dk1"/>
+              </a:fontRef>
+            </p:style>
+            <p:txBody>
+              <a:bodyPr rtlCol="0" anchor="ctr"/>
+              <a:lstStyle/>
+              <a:p>
+                <a:pPr algn="r"/>
+                <a:r>
+                  <a:rPr lang="en-US" sz="1200" dirty="0">
+                    <a:solidFill>
+                      <a:schemeClr val="tx1"/>
+                    </a:solidFill>
+                  </a:rPr>
+                  <a:t>2.5</a:t>
+                </a:r>
+              </a:p>
+            </p:txBody>
+          </p:sp>
+          <p:sp>
+            <p:nvSpPr>
+              <p:cNvPr id="30" name="Oval 29">
+                <a:extLst>
+                  <a:ext uri="{FF2B5EF4-FFF2-40B4-BE49-F238E27FC236}">
+                    <a16:creationId xmlns:a16="http://schemas.microsoft.com/office/drawing/2014/main" id="{D1E04945-40E2-422C-BB2A-9C3F9CEC3BAF}"/>
+                  </a:ext>
+                </a:extLst>
+              </p:cNvPr>
+              <p:cNvSpPr/>
+              <p:nvPr/>
+            </p:nvSpPr>
+            <p:spPr>
+              <a:xfrm>
+                <a:off x="3596531" y="684559"/>
+                <a:ext cx="130990" cy="130990"/>
+              </a:xfrm>
+              <a:prstGeom prst="ellipse">
+                <a:avLst/>
+              </a:prstGeom>
+            </p:spPr>
+            <p:style>
+              <a:lnRef idx="2">
+                <a:schemeClr val="dk1">
+                  <a:shade val="50000"/>
+                </a:schemeClr>
+              </a:lnRef>
+              <a:fillRef idx="1">
+                <a:schemeClr val="dk1"/>
+              </a:fillRef>
+              <a:effectRef idx="0">
+                <a:schemeClr val="dk1"/>
+              </a:effectRef>
+              <a:fontRef idx="minor">
+                <a:schemeClr val="lt1"/>
+              </a:fontRef>
+            </p:style>
+            <p:txBody>
+              <a:bodyPr rtlCol="0" anchor="ctr"/>
+              <a:lstStyle/>
+              <a:p>
+                <a:pPr algn="ctr"/>
+                <a:endParaRPr lang="en-US"/>
+              </a:p>
+            </p:txBody>
+          </p:sp>
+        </p:grpSp>
+        <p:sp>
+          <p:nvSpPr>
+            <p:cNvPr id="116" name="Circle: Hollow 115">
+              <a:extLst>
+                <a:ext uri="{FF2B5EF4-FFF2-40B4-BE49-F238E27FC236}">
+                  <a16:creationId xmlns:a16="http://schemas.microsoft.com/office/drawing/2014/main" id="{8091EF96-495A-4939-B7BB-1C2B362B329C}"/>
+                </a:ext>
+              </a:extLst>
+            </p:cNvPr>
+            <p:cNvSpPr/>
+            <p:nvPr/>
+          </p:nvSpPr>
+          <p:spPr>
+            <a:xfrm>
+              <a:off x="6815147" y="891901"/>
+              <a:ext cx="136754" cy="136754"/>
+            </a:xfrm>
+            <a:prstGeom prst="donut">
+              <a:avLst/>
+            </a:prstGeom>
+          </p:spPr>
+          <p:style>
+            <a:lnRef idx="2">
+              <a:schemeClr val="dk1">
+                <a:shade val="50000"/>
+              </a:schemeClr>
+            </a:lnRef>
+            <a:fillRef idx="1">
+              <a:schemeClr val="dk1"/>
+            </a:fillRef>
+            <a:effectRef idx="0">
+              <a:schemeClr val="dk1"/>
+            </a:effectRef>
+            <a:fontRef idx="minor">
+              <a:schemeClr val="lt1"/>
+            </a:fontRef>
+          </p:style>
+          <p:txBody>
+            <a:bodyPr rtlCol="0" anchor="ctr"/>
+            <a:lstStyle/>
+            <a:p>
+              <a:pPr algn="ctr"/>
+              <a:endParaRPr lang="en-US">
+                <a:solidFill>
+                  <a:schemeClr val="tx1"/>
+                </a:solidFill>
+              </a:endParaRPr>
+            </a:p>
+          </p:txBody>
+        </p:sp>
+      </p:grpSp>
+      <p:grpSp>
+        <p:nvGrpSpPr>
+          <p:cNvPr id="5" name="Group 4">
+            <a:extLst>
+              <a:ext uri="{FF2B5EF4-FFF2-40B4-BE49-F238E27FC236}">
+                <a16:creationId xmlns:a16="http://schemas.microsoft.com/office/drawing/2014/main" id="{DB89DC1E-C8A7-4639-B236-89E6B44055B1}"/>
+              </a:ext>
+            </a:extLst>
+          </p:cNvPr>
+          <p:cNvGrpSpPr/>
+          <p:nvPr/>
+        </p:nvGrpSpPr>
+        <p:grpSpPr>
+          <a:xfrm>
+            <a:off x="221530" y="4647987"/>
+            <a:ext cx="8592878" cy="247093"/>
+            <a:chOff x="348855" y="4647987"/>
+            <a:chExt cx="8592878" cy="247093"/>
+          </a:xfrm>
+        </p:grpSpPr>
+        <p:grpSp>
+          <p:nvGrpSpPr>
+            <p:cNvPr id="94" name="Group 93">
+              <a:extLst>
+                <a:ext uri="{FF2B5EF4-FFF2-40B4-BE49-F238E27FC236}">
+                  <a16:creationId xmlns:a16="http://schemas.microsoft.com/office/drawing/2014/main" id="{50F660F6-F4A0-4CAE-BE7B-485F037B308B}"/>
+                </a:ext>
+              </a:extLst>
+            </p:cNvPr>
+            <p:cNvGrpSpPr/>
+            <p:nvPr/>
+          </p:nvGrpSpPr>
+          <p:grpSpPr>
+            <a:xfrm>
+              <a:off x="348855" y="4647987"/>
+              <a:ext cx="8592878" cy="247093"/>
+              <a:chOff x="320512" y="2187714"/>
+              <a:chExt cx="8592878" cy="247093"/>
+            </a:xfrm>
+          </p:grpSpPr>
+          <p:grpSp>
+            <p:nvGrpSpPr>
+              <p:cNvPr id="21" name="Group 20">
+                <a:extLst>
+                  <a:ext uri="{FF2B5EF4-FFF2-40B4-BE49-F238E27FC236}">
+                    <a16:creationId xmlns:a16="http://schemas.microsoft.com/office/drawing/2014/main" id="{EAB563F0-AE03-44D2-9844-5D1A9A987E3F}"/>
+                  </a:ext>
+                </a:extLst>
+              </p:cNvPr>
+              <p:cNvGrpSpPr/>
+              <p:nvPr/>
+            </p:nvGrpSpPr>
+            <p:grpSpPr>
+              <a:xfrm>
+                <a:off x="640459" y="2187714"/>
+                <a:ext cx="8272931" cy="247093"/>
+                <a:chOff x="640459" y="1756797"/>
+                <a:chExt cx="8272931" cy="247093"/>
+              </a:xfrm>
+            </p:grpSpPr>
+            <p:sp>
+              <p:nvSpPr>
+                <p:cNvPr id="49" name="Rectangle 48">
+                  <a:extLst>
+                    <a:ext uri="{FF2B5EF4-FFF2-40B4-BE49-F238E27FC236}">
+                      <a16:creationId xmlns:a16="http://schemas.microsoft.com/office/drawing/2014/main" id="{ED80E5B3-936D-4FAB-9189-27FBC75D693A}"/>
+                    </a:ext>
+                  </a:extLst>
+                </p:cNvPr>
+                <p:cNvSpPr/>
+                <p:nvPr/>
+              </p:nvSpPr>
+              <p:spPr>
+                <a:xfrm>
+                  <a:off x="640459" y="1761855"/>
+                  <a:ext cx="1143000" cy="236763"/>
+                </a:xfrm>
+                <a:prstGeom prst="rect">
+                  <a:avLst/>
+                </a:prstGeom>
+                <a:ln>
+                  <a:solidFill>
+                    <a:schemeClr val="bg1">
+                      <a:lumMod val="65000"/>
+                    </a:schemeClr>
+                  </a:solidFill>
+                </a:ln>
+              </p:spPr>
+              <p:style>
+                <a:lnRef idx="2">
+                  <a:schemeClr val="accent6"/>
+                </a:lnRef>
+                <a:fillRef idx="1">
+                  <a:schemeClr val="lt1"/>
+                </a:fillRef>
+                <a:effectRef idx="0">
+                  <a:schemeClr val="accent6"/>
+                </a:effectRef>
+                <a:fontRef idx="minor">
+                  <a:schemeClr val="dk1"/>
+                </a:fontRef>
+              </p:style>
+              <p:txBody>
+                <a:bodyPr rtlCol="0" anchor="ctr"/>
+                <a:lstStyle/>
+                <a:p>
+                  <a:pPr algn="ctr"/>
+                  <a:endParaRPr lang="en-US" sz="1200" dirty="0">
+                    <a:solidFill>
+                      <a:schemeClr val="tx1"/>
+                    </a:solidFill>
+                  </a:endParaRPr>
+                </a:p>
+              </p:txBody>
+            </p:sp>
+            <p:sp>
+              <p:nvSpPr>
+                <p:cNvPr id="51" name="Rectangle 50">
+                  <a:extLst>
+                    <a:ext uri="{FF2B5EF4-FFF2-40B4-BE49-F238E27FC236}">
+                      <a16:creationId xmlns:a16="http://schemas.microsoft.com/office/drawing/2014/main" id="{A24D9468-E16E-4F48-8141-ED56ACA86334}"/>
+                    </a:ext>
+                  </a:extLst>
+                </p:cNvPr>
+                <p:cNvSpPr/>
+                <p:nvPr/>
+              </p:nvSpPr>
+              <p:spPr>
+                <a:xfrm>
+                  <a:off x="1895878" y="1767127"/>
+                  <a:ext cx="914400" cy="236763"/>
+                </a:xfrm>
+                <a:prstGeom prst="rect">
+                  <a:avLst/>
+                </a:prstGeom>
+                <a:ln>
+                  <a:solidFill>
+                    <a:schemeClr val="bg1">
+                      <a:lumMod val="65000"/>
+                    </a:schemeClr>
+                  </a:solidFill>
+                </a:ln>
+              </p:spPr>
+              <p:style>
+                <a:lnRef idx="2">
+                  <a:schemeClr val="accent6"/>
+                </a:lnRef>
+                <a:fillRef idx="1">
+                  <a:schemeClr val="lt1"/>
+                </a:fillRef>
+                <a:effectRef idx="0">
+                  <a:schemeClr val="accent6"/>
+                </a:effectRef>
+                <a:fontRef idx="minor">
+                  <a:schemeClr val="dk1"/>
+                </a:fontRef>
+              </p:style>
+              <p:txBody>
+                <a:bodyPr rtlCol="0" anchor="ctr"/>
+                <a:lstStyle/>
+                <a:p>
+                  <a:pPr algn="ctr"/>
+                  <a:endParaRPr lang="en-US" sz="1200" dirty="0">
+                    <a:solidFill>
+                      <a:schemeClr val="tx1"/>
+                    </a:solidFill>
+                  </a:endParaRPr>
+                </a:p>
+              </p:txBody>
+            </p:sp>
+            <p:sp>
+              <p:nvSpPr>
+                <p:cNvPr id="52" name="Rectangle 51">
+                  <a:extLst>
+                    <a:ext uri="{FF2B5EF4-FFF2-40B4-BE49-F238E27FC236}">
+                      <a16:creationId xmlns:a16="http://schemas.microsoft.com/office/drawing/2014/main" id="{AC529F5D-7E37-45E9-B342-797E79A7A783}"/>
+                    </a:ext>
+                  </a:extLst>
+                </p:cNvPr>
+                <p:cNvSpPr/>
+                <p:nvPr/>
+              </p:nvSpPr>
+              <p:spPr>
+                <a:xfrm>
+                  <a:off x="4987408" y="1766506"/>
+                  <a:ext cx="914400" cy="236763"/>
+                </a:xfrm>
+                <a:prstGeom prst="rect">
+                  <a:avLst/>
+                </a:prstGeom>
+                <a:ln>
+                  <a:solidFill>
+                    <a:schemeClr val="bg1">
+                      <a:lumMod val="65000"/>
+                    </a:schemeClr>
+                  </a:solidFill>
+                </a:ln>
+              </p:spPr>
+              <p:style>
+                <a:lnRef idx="2">
+                  <a:schemeClr val="accent6"/>
+                </a:lnRef>
+                <a:fillRef idx="1">
+                  <a:schemeClr val="lt1"/>
+                </a:fillRef>
+                <a:effectRef idx="0">
+                  <a:schemeClr val="accent6"/>
+                </a:effectRef>
+                <a:fontRef idx="minor">
+                  <a:schemeClr val="dk1"/>
+                </a:fontRef>
+              </p:style>
+              <p:txBody>
+                <a:bodyPr rtlCol="0" anchor="ctr"/>
+                <a:lstStyle/>
+                <a:p>
+                  <a:pPr algn="ctr"/>
+                  <a:endParaRPr lang="en-US" sz="1200" dirty="0">
+                    <a:solidFill>
+                      <a:schemeClr val="tx1"/>
+                    </a:solidFill>
+                  </a:endParaRPr>
+                </a:p>
+              </p:txBody>
+            </p:sp>
+            <p:sp>
+              <p:nvSpPr>
+                <p:cNvPr id="112" name="Rectangle 111">
+                  <a:extLst>
+                    <a:ext uri="{FF2B5EF4-FFF2-40B4-BE49-F238E27FC236}">
+                      <a16:creationId xmlns:a16="http://schemas.microsoft.com/office/drawing/2014/main" id="{9DA2BEB7-674C-45CE-B74B-29276103E624}"/>
+                    </a:ext>
+                  </a:extLst>
+                </p:cNvPr>
+                <p:cNvSpPr/>
+                <p:nvPr/>
+              </p:nvSpPr>
+              <p:spPr>
+                <a:xfrm>
+                  <a:off x="2928441" y="1758008"/>
+                  <a:ext cx="914400" cy="236763"/>
+                </a:xfrm>
+                <a:prstGeom prst="rect">
+                  <a:avLst/>
+                </a:prstGeom>
+                <a:ln>
+                  <a:solidFill>
+                    <a:schemeClr val="bg1">
+                      <a:lumMod val="65000"/>
+                    </a:schemeClr>
+                  </a:solidFill>
+                </a:ln>
+              </p:spPr>
+              <p:style>
+                <a:lnRef idx="2">
+                  <a:schemeClr val="accent6"/>
+                </a:lnRef>
+                <a:fillRef idx="1">
+                  <a:schemeClr val="lt1"/>
+                </a:fillRef>
+                <a:effectRef idx="0">
+                  <a:schemeClr val="accent6"/>
+                </a:effectRef>
+                <a:fontRef idx="minor">
+                  <a:schemeClr val="dk1"/>
+                </a:fontRef>
+              </p:style>
+              <p:txBody>
+                <a:bodyPr rtlCol="0" anchor="ctr"/>
+                <a:lstStyle/>
+                <a:p>
+                  <a:pPr algn="ctr"/>
+                  <a:endParaRPr lang="en-US" sz="1200" dirty="0">
+                    <a:solidFill>
+                      <a:schemeClr val="tx1"/>
+                    </a:solidFill>
+                  </a:endParaRPr>
+                </a:p>
+              </p:txBody>
+            </p:sp>
+            <p:sp>
+              <p:nvSpPr>
+                <p:cNvPr id="113" name="Rectangle 112">
+                  <a:extLst>
+                    <a:ext uri="{FF2B5EF4-FFF2-40B4-BE49-F238E27FC236}">
+                      <a16:creationId xmlns:a16="http://schemas.microsoft.com/office/drawing/2014/main" id="{8A6D3C0F-3BF5-45F4-BE19-F5607928A003}"/>
+                    </a:ext>
+                  </a:extLst>
+                </p:cNvPr>
+                <p:cNvSpPr/>
+                <p:nvPr/>
+              </p:nvSpPr>
+              <p:spPr>
+                <a:xfrm>
+                  <a:off x="3955260" y="1756797"/>
+                  <a:ext cx="914400" cy="236763"/>
+                </a:xfrm>
+                <a:prstGeom prst="rect">
+                  <a:avLst/>
+                </a:prstGeom>
+                <a:ln>
+                  <a:solidFill>
+                    <a:schemeClr val="bg1">
+                      <a:lumMod val="65000"/>
+                    </a:schemeClr>
+                  </a:solidFill>
+                </a:ln>
+              </p:spPr>
+              <p:style>
+                <a:lnRef idx="2">
+                  <a:schemeClr val="accent6"/>
+                </a:lnRef>
+                <a:fillRef idx="1">
+                  <a:schemeClr val="lt1"/>
+                </a:fillRef>
+                <a:effectRef idx="0">
+                  <a:schemeClr val="accent6"/>
+                </a:effectRef>
+                <a:fontRef idx="minor">
+                  <a:schemeClr val="dk1"/>
+                </a:fontRef>
+              </p:style>
+              <p:txBody>
+                <a:bodyPr rtlCol="0" anchor="ctr"/>
+                <a:lstStyle/>
+                <a:p>
+                  <a:pPr algn="ctr"/>
+                  <a:endParaRPr lang="en-US" sz="1200" dirty="0">
+                    <a:solidFill>
+                      <a:schemeClr val="tx1"/>
+                    </a:solidFill>
+                  </a:endParaRPr>
+                </a:p>
+              </p:txBody>
+            </p:sp>
+            <p:sp>
+              <p:nvSpPr>
+                <p:cNvPr id="119" name="Rectangle 118">
+                  <a:extLst>
+                    <a:ext uri="{FF2B5EF4-FFF2-40B4-BE49-F238E27FC236}">
+                      <a16:creationId xmlns:a16="http://schemas.microsoft.com/office/drawing/2014/main" id="{2B471ECD-EC92-4785-9F20-DB4E0DA8BF63}"/>
+                    </a:ext>
+                  </a:extLst>
+                </p:cNvPr>
+                <p:cNvSpPr/>
+                <p:nvPr/>
+              </p:nvSpPr>
+              <p:spPr>
+                <a:xfrm>
+                  <a:off x="6008208" y="1757033"/>
+                  <a:ext cx="914400" cy="236763"/>
+                </a:xfrm>
+                <a:prstGeom prst="rect">
+                  <a:avLst/>
+                </a:prstGeom>
+                <a:ln>
+                  <a:solidFill>
+                    <a:schemeClr val="bg1">
+                      <a:lumMod val="65000"/>
+                    </a:schemeClr>
+                  </a:solidFill>
+                </a:ln>
+              </p:spPr>
+              <p:style>
+                <a:lnRef idx="2">
+                  <a:schemeClr val="accent6"/>
+                </a:lnRef>
+                <a:fillRef idx="1">
+                  <a:schemeClr val="lt1"/>
+                </a:fillRef>
+                <a:effectRef idx="0">
+                  <a:schemeClr val="accent6"/>
+                </a:effectRef>
+                <a:fontRef idx="minor">
+                  <a:schemeClr val="dk1"/>
+                </a:fontRef>
+              </p:style>
+              <p:txBody>
+                <a:bodyPr rtlCol="0" anchor="ctr"/>
+                <a:lstStyle/>
+                <a:p>
+                  <a:pPr algn="ctr"/>
+                  <a:endParaRPr lang="en-US" sz="1200" dirty="0">
+                    <a:solidFill>
+                      <a:schemeClr val="tx1"/>
+                    </a:solidFill>
+                  </a:endParaRPr>
+                </a:p>
+              </p:txBody>
+            </p:sp>
+            <p:sp>
+              <p:nvSpPr>
+                <p:cNvPr id="120" name="Rectangle 119">
+                  <a:extLst>
+                    <a:ext uri="{FF2B5EF4-FFF2-40B4-BE49-F238E27FC236}">
+                      <a16:creationId xmlns:a16="http://schemas.microsoft.com/office/drawing/2014/main" id="{106A4661-C342-42F4-BE59-742541B043C8}"/>
+                    </a:ext>
+                  </a:extLst>
+                </p:cNvPr>
+                <p:cNvSpPr/>
+                <p:nvPr/>
+              </p:nvSpPr>
+              <p:spPr>
+                <a:xfrm>
+                  <a:off x="7998990" y="1757918"/>
+                  <a:ext cx="914400" cy="236763"/>
+                </a:xfrm>
+                <a:prstGeom prst="rect">
+                  <a:avLst/>
+                </a:prstGeom>
+                <a:ln>
+                  <a:solidFill>
+                    <a:schemeClr val="bg1">
+                      <a:lumMod val="65000"/>
+                    </a:schemeClr>
+                  </a:solidFill>
+                </a:ln>
+              </p:spPr>
+              <p:style>
+                <a:lnRef idx="2">
+                  <a:schemeClr val="accent6"/>
+                </a:lnRef>
+                <a:fillRef idx="1">
+                  <a:schemeClr val="lt1"/>
+                </a:fillRef>
+                <a:effectRef idx="0">
+                  <a:schemeClr val="accent6"/>
+                </a:effectRef>
+                <a:fontRef idx="minor">
+                  <a:schemeClr val="dk1"/>
+                </a:fontRef>
+              </p:style>
+              <p:txBody>
+                <a:bodyPr rtlCol="0" anchor="ctr"/>
+                <a:lstStyle/>
+                <a:p>
+                  <a:pPr algn="ctr"/>
+                  <a:endParaRPr lang="en-US" sz="1200" dirty="0">
+                    <a:solidFill>
+                      <a:schemeClr val="tx1"/>
+                    </a:solidFill>
+                  </a:endParaRPr>
+                </a:p>
+              </p:txBody>
+            </p:sp>
+          </p:grpSp>
+          <p:sp>
+            <p:nvSpPr>
+              <p:cNvPr id="93" name="Rectangle 92">
+                <a:extLst>
+                  <a:ext uri="{FF2B5EF4-FFF2-40B4-BE49-F238E27FC236}">
+                    <a16:creationId xmlns:a16="http://schemas.microsoft.com/office/drawing/2014/main" id="{E0086CD2-DD07-4C33-9F31-EC29EB361749}"/>
+                  </a:ext>
+                </a:extLst>
+              </p:cNvPr>
+              <p:cNvSpPr/>
+              <p:nvPr/>
+            </p:nvSpPr>
+            <p:spPr>
+              <a:xfrm>
+                <a:off x="320512" y="2228655"/>
+                <a:ext cx="145157" cy="145157"/>
+              </a:xfrm>
+              <a:prstGeom prst="rect">
+                <a:avLst/>
+              </a:prstGeom>
+              <a:solidFill>
+                <a:schemeClr val="accent5">
+                  <a:lumMod val="40000"/>
+                  <a:lumOff val="60000"/>
+                </a:schemeClr>
+              </a:solidFill>
+            </p:spPr>
+            <p:style>
+              <a:lnRef idx="2">
+                <a:schemeClr val="dk1">
+                  <a:shade val="50000"/>
+                </a:schemeClr>
+              </a:lnRef>
+              <a:fillRef idx="1">
+                <a:schemeClr val="dk1"/>
+              </a:fillRef>
+              <a:effectRef idx="0">
+                <a:schemeClr val="dk1"/>
+              </a:effectRef>
+              <a:fontRef idx="minor">
+                <a:schemeClr val="lt1"/>
+              </a:fontRef>
+            </p:style>
+            <p:txBody>
+              <a:bodyPr rtlCol="0" anchor="ctr"/>
+              <a:lstStyle/>
+              <a:p>
+                <a:pPr algn="ctr"/>
+                <a:endParaRPr lang="en-US"/>
+              </a:p>
+            </p:txBody>
+          </p:sp>
+        </p:grpSp>
+        <p:sp>
+          <p:nvSpPr>
+            <p:cNvPr id="117" name="Circle: Hollow 116">
+              <a:extLst>
+                <a:ext uri="{FF2B5EF4-FFF2-40B4-BE49-F238E27FC236}">
+                  <a16:creationId xmlns:a16="http://schemas.microsoft.com/office/drawing/2014/main" id="{D75E43E2-1C46-476C-BE2F-2A7B43EF3FDB}"/>
+                </a:ext>
+              </a:extLst>
+            </p:cNvPr>
+            <p:cNvSpPr/>
+            <p:nvPr/>
+          </p:nvSpPr>
+          <p:spPr>
+            <a:xfrm>
+              <a:off x="7460817" y="4713312"/>
+              <a:ext cx="136754" cy="136754"/>
+            </a:xfrm>
+            <a:prstGeom prst="donut">
+              <a:avLst/>
+            </a:prstGeom>
+          </p:spPr>
+          <p:style>
+            <a:lnRef idx="2">
+              <a:schemeClr val="dk1">
+                <a:shade val="50000"/>
+              </a:schemeClr>
+            </a:lnRef>
+            <a:fillRef idx="1">
+              <a:schemeClr val="dk1"/>
+            </a:fillRef>
+            <a:effectRef idx="0">
+              <a:schemeClr val="dk1"/>
+            </a:effectRef>
+            <a:fontRef idx="minor">
+              <a:schemeClr val="lt1"/>
+            </a:fontRef>
+          </p:style>
+          <p:txBody>
+            <a:bodyPr rtlCol="0" anchor="ctr"/>
+            <a:lstStyle/>
+            <a:p>
+              <a:pPr algn="ctr"/>
+              <a:endParaRPr lang="en-US">
+                <a:solidFill>
+                  <a:schemeClr val="tx1"/>
+                </a:solidFill>
+              </a:endParaRPr>
+            </a:p>
+          </p:txBody>
+        </p:sp>
+      </p:grpSp>
+      <p:grpSp>
+        <p:nvGrpSpPr>
+          <p:cNvPr id="3" name="Group 2">
+            <a:extLst>
+              <a:ext uri="{FF2B5EF4-FFF2-40B4-BE49-F238E27FC236}">
+                <a16:creationId xmlns:a16="http://schemas.microsoft.com/office/drawing/2014/main" id="{8213C1FB-B5E0-49D7-8065-54C4C9EAF7B9}"/>
+              </a:ext>
+            </a:extLst>
+          </p:cNvPr>
+          <p:cNvGrpSpPr/>
+          <p:nvPr/>
+        </p:nvGrpSpPr>
+        <p:grpSpPr>
+          <a:xfrm>
+            <a:off x="426392" y="4400409"/>
+            <a:ext cx="8219842" cy="235375"/>
+            <a:chOff x="553717" y="4400409"/>
+            <a:chExt cx="8219842" cy="235375"/>
+          </a:xfrm>
+        </p:grpSpPr>
+        <p:grpSp>
+          <p:nvGrpSpPr>
+            <p:cNvPr id="33" name="Group 32">
+              <a:extLst>
+                <a:ext uri="{FF2B5EF4-FFF2-40B4-BE49-F238E27FC236}">
+                  <a16:creationId xmlns:a16="http://schemas.microsoft.com/office/drawing/2014/main" id="{5AF23BF9-3900-47E4-9C37-EFEF7D56E036}"/>
+                </a:ext>
+              </a:extLst>
+            </p:cNvPr>
+            <p:cNvGrpSpPr/>
+            <p:nvPr/>
+          </p:nvGrpSpPr>
+          <p:grpSpPr>
+            <a:xfrm>
+              <a:off x="553717" y="4401394"/>
+              <a:ext cx="4011713" cy="229805"/>
+              <a:chOff x="525374" y="1510204"/>
+              <a:chExt cx="4011713" cy="229805"/>
+            </a:xfrm>
+          </p:grpSpPr>
+          <p:sp>
+            <p:nvSpPr>
+              <p:cNvPr id="36" name="Rectangle 35">
+                <a:extLst>
+                  <a:ext uri="{FF2B5EF4-FFF2-40B4-BE49-F238E27FC236}">
+                    <a16:creationId xmlns:a16="http://schemas.microsoft.com/office/drawing/2014/main" id="{010B8E20-3828-46C8-BFC3-0F51EF299F5C}"/>
+                  </a:ext>
+                </a:extLst>
+              </p:cNvPr>
+              <p:cNvSpPr/>
+              <p:nvPr/>
+            </p:nvSpPr>
+            <p:spPr>
+              <a:xfrm>
+                <a:off x="1784953" y="1510204"/>
+                <a:ext cx="1066800" cy="228600"/>
+              </a:xfrm>
+              <a:prstGeom prst="rect">
+                <a:avLst/>
+              </a:prstGeom>
+              <a:solidFill>
+                <a:schemeClr val="bg1">
+                  <a:lumMod val="85000"/>
+                </a:schemeClr>
+              </a:solidFill>
+              <a:ln>
+                <a:solidFill>
+                  <a:schemeClr val="bg1">
+                    <a:lumMod val="85000"/>
+                  </a:schemeClr>
+                </a:solidFill>
+              </a:ln>
+            </p:spPr>
+            <p:style>
+              <a:lnRef idx="2">
+                <a:schemeClr val="accent6"/>
+              </a:lnRef>
+              <a:fillRef idx="1">
+                <a:schemeClr val="lt1"/>
+              </a:fillRef>
+              <a:effectRef idx="0">
+                <a:schemeClr val="accent6"/>
+              </a:effectRef>
+              <a:fontRef idx="minor">
+                <a:schemeClr val="dk1"/>
+              </a:fontRef>
+            </p:style>
+            <p:txBody>
+              <a:bodyPr rtlCol="0" anchor="ctr"/>
+              <a:lstStyle/>
+              <a:p>
+                <a:pPr algn="ctr"/>
+                <a:r>
+                  <a:rPr lang="en-US" sz="1200" dirty="0">
+                    <a:solidFill>
+                      <a:schemeClr val="tx1"/>
+                    </a:solidFill>
+                  </a:rPr>
+                  <a:t>Temperature </a:t>
+                </a:r>
+              </a:p>
+            </p:txBody>
+          </p:sp>
+          <p:sp>
+            <p:nvSpPr>
+              <p:cNvPr id="38" name="Rectangle 37">
+                <a:extLst>
+                  <a:ext uri="{FF2B5EF4-FFF2-40B4-BE49-F238E27FC236}">
+                    <a16:creationId xmlns:a16="http://schemas.microsoft.com/office/drawing/2014/main" id="{612C45ED-7F2D-434B-9FEC-F3CF9BDB20EE}"/>
+                  </a:ext>
+                </a:extLst>
+              </p:cNvPr>
+              <p:cNvSpPr/>
+              <p:nvPr/>
+            </p:nvSpPr>
+            <p:spPr>
+              <a:xfrm>
+                <a:off x="3878719" y="1510220"/>
+                <a:ext cx="658368" cy="228600"/>
+              </a:xfrm>
+              <a:prstGeom prst="rect">
+                <a:avLst/>
+              </a:prstGeom>
+              <a:solidFill>
+                <a:schemeClr val="bg1">
+                  <a:lumMod val="85000"/>
+                </a:schemeClr>
+              </a:solidFill>
+              <a:ln>
+                <a:solidFill>
+                  <a:schemeClr val="bg1">
+                    <a:lumMod val="85000"/>
+                  </a:schemeClr>
+                </a:solidFill>
+              </a:ln>
+            </p:spPr>
+            <p:style>
+              <a:lnRef idx="2">
+                <a:schemeClr val="accent6"/>
+              </a:lnRef>
+              <a:fillRef idx="1">
+                <a:schemeClr val="lt1"/>
+              </a:fillRef>
+              <a:effectRef idx="0">
+                <a:schemeClr val="accent6"/>
+              </a:effectRef>
+              <a:fontRef idx="minor">
+                <a:schemeClr val="dk1"/>
+              </a:fontRef>
+            </p:style>
+            <p:txBody>
+              <a:bodyPr rtlCol="0" anchor="ctr"/>
+              <a:lstStyle/>
+              <a:p>
+                <a:pPr algn="ctr"/>
+                <a:r>
+                  <a:rPr lang="en-US" sz="1200" dirty="0">
+                    <a:solidFill>
+                      <a:schemeClr val="tx1"/>
+                    </a:solidFill>
+                  </a:rPr>
+                  <a:t>Density </a:t>
+                </a:r>
+              </a:p>
+            </p:txBody>
+          </p:sp>
+          <p:sp>
+            <p:nvSpPr>
+              <p:cNvPr id="47" name="Rectangle 46">
+                <a:extLst>
+                  <a:ext uri="{FF2B5EF4-FFF2-40B4-BE49-F238E27FC236}">
+                    <a16:creationId xmlns:a16="http://schemas.microsoft.com/office/drawing/2014/main" id="{FAB322D1-2996-49BC-8F78-DE642C5142CF}"/>
+                  </a:ext>
+                </a:extLst>
+              </p:cNvPr>
+              <p:cNvSpPr/>
+              <p:nvPr/>
+            </p:nvSpPr>
+            <p:spPr>
+              <a:xfrm>
+                <a:off x="525374" y="1511409"/>
+                <a:ext cx="685800" cy="228600"/>
+              </a:xfrm>
+              <a:prstGeom prst="rect">
+                <a:avLst/>
+              </a:prstGeom>
+              <a:solidFill>
+                <a:schemeClr val="bg1">
+                  <a:lumMod val="85000"/>
+                </a:schemeClr>
+              </a:solidFill>
+              <a:ln>
+                <a:solidFill>
+                  <a:schemeClr val="bg1">
+                    <a:lumMod val="85000"/>
+                  </a:schemeClr>
+                </a:solidFill>
+              </a:ln>
+            </p:spPr>
+            <p:style>
+              <a:lnRef idx="2">
+                <a:schemeClr val="accent6"/>
+              </a:lnRef>
+              <a:fillRef idx="1">
+                <a:schemeClr val="lt1"/>
+              </a:fillRef>
+              <a:effectRef idx="0">
+                <a:schemeClr val="accent6"/>
+              </a:effectRef>
+              <a:fontRef idx="minor">
+                <a:schemeClr val="dk1"/>
+              </a:fontRef>
+            </p:style>
+            <p:txBody>
+              <a:bodyPr rtlCol="0" anchor="ctr"/>
+              <a:lstStyle/>
+              <a:p>
+                <a:pPr algn="ctr"/>
+                <a:r>
+                  <a:rPr lang="en-US" sz="1200" dirty="0">
+                    <a:solidFill>
+                      <a:schemeClr val="tx1"/>
+                    </a:solidFill>
+                  </a:rPr>
+                  <a:t>Name </a:t>
+                </a:r>
+              </a:p>
+            </p:txBody>
+          </p:sp>
+        </p:grpSp>
+        <p:sp>
+          <p:nvSpPr>
+            <p:cNvPr id="41" name="Rectangle 40">
+              <a:extLst>
+                <a:ext uri="{FF2B5EF4-FFF2-40B4-BE49-F238E27FC236}">
+                  <a16:creationId xmlns:a16="http://schemas.microsoft.com/office/drawing/2014/main" id="{64C0A93A-88FC-4745-80FD-C59A786C2E03}"/>
+                </a:ext>
+              </a:extLst>
+            </p:cNvPr>
+            <p:cNvSpPr/>
+            <p:nvPr/>
+          </p:nvSpPr>
+          <p:spPr>
+            <a:xfrm>
+              <a:off x="7073541" y="4407184"/>
+              <a:ext cx="914400" cy="228600"/>
+            </a:xfrm>
+            <a:prstGeom prst="rect">
+              <a:avLst/>
+            </a:prstGeom>
+            <a:solidFill>
+              <a:schemeClr val="bg1">
+                <a:lumMod val="85000"/>
+              </a:schemeClr>
+            </a:solidFill>
+            <a:ln>
+              <a:solidFill>
+                <a:schemeClr val="bg1">
+                  <a:lumMod val="85000"/>
+                </a:schemeClr>
+              </a:solidFill>
+            </a:ln>
+          </p:spPr>
+          <p:style>
+            <a:lnRef idx="2">
+              <a:schemeClr val="accent6"/>
+            </a:lnRef>
+            <a:fillRef idx="1">
+              <a:schemeClr val="lt1"/>
+            </a:fillRef>
+            <a:effectRef idx="0">
+              <a:schemeClr val="accent6"/>
+            </a:effectRef>
+            <a:fontRef idx="minor">
+              <a:schemeClr val="dk1"/>
+            </a:fontRef>
+          </p:style>
+          <p:txBody>
+            <a:bodyPr rtlCol="0" anchor="ctr"/>
+            <a:lstStyle/>
+            <a:p>
+              <a:pPr algn="ctr"/>
+              <a:r>
+                <a:rPr lang="en-US" sz="1200" dirty="0">
+                  <a:solidFill>
+                    <a:schemeClr val="tx1"/>
+                  </a:solidFill>
+                </a:rPr>
+                <a:t>Anisotropic </a:t>
+              </a:r>
+            </a:p>
+          </p:txBody>
+        </p:sp>
+        <p:sp>
+          <p:nvSpPr>
+            <p:cNvPr id="42" name="Rectangle 41">
+              <a:extLst>
+                <a:ext uri="{FF2B5EF4-FFF2-40B4-BE49-F238E27FC236}">
+                  <a16:creationId xmlns:a16="http://schemas.microsoft.com/office/drawing/2014/main" id="{C9A64B49-A71E-4EB6-AEB1-23E9A96FAAAD}"/>
+                </a:ext>
+              </a:extLst>
+            </p:cNvPr>
+            <p:cNvSpPr/>
+            <p:nvPr/>
+          </p:nvSpPr>
+          <p:spPr>
+            <a:xfrm>
+              <a:off x="7950599" y="4401295"/>
+              <a:ext cx="822960" cy="228600"/>
+            </a:xfrm>
+            <a:prstGeom prst="rect">
+              <a:avLst/>
+            </a:prstGeom>
+            <a:solidFill>
+              <a:schemeClr val="bg1">
+                <a:lumMod val="85000"/>
+              </a:schemeClr>
+            </a:solidFill>
+            <a:ln>
+              <a:solidFill>
+                <a:schemeClr val="bg1">
+                  <a:lumMod val="85000"/>
+                </a:schemeClr>
+              </a:solidFill>
+            </a:ln>
+          </p:spPr>
+          <p:style>
+            <a:lnRef idx="2">
+              <a:schemeClr val="accent6"/>
+            </a:lnRef>
+            <a:fillRef idx="1">
+              <a:schemeClr val="lt1"/>
+            </a:fillRef>
+            <a:effectRef idx="0">
+              <a:schemeClr val="accent6"/>
+            </a:effectRef>
+            <a:fontRef idx="minor">
+              <a:schemeClr val="dk1"/>
+            </a:fontRef>
+          </p:style>
+          <p:txBody>
+            <a:bodyPr rtlCol="0" anchor="ctr"/>
+            <a:lstStyle/>
+            <a:p>
+              <a:pPr algn="ctr"/>
+              <a:r>
+                <a:rPr lang="en-US" sz="1200" dirty="0">
+                  <a:solidFill>
+                    <a:schemeClr val="tx1"/>
+                  </a:solidFill>
+                </a:rPr>
+                <a:t>ANG_File </a:t>
+              </a:r>
+            </a:p>
+          </p:txBody>
+        </p:sp>
+        <p:sp>
+          <p:nvSpPr>
+            <p:cNvPr id="110" name="Rectangle 109">
+              <a:extLst>
+                <a:ext uri="{FF2B5EF4-FFF2-40B4-BE49-F238E27FC236}">
+                  <a16:creationId xmlns:a16="http://schemas.microsoft.com/office/drawing/2014/main" id="{46A3DF4A-7952-4D0E-99A3-E8683176B703}"/>
+                </a:ext>
+              </a:extLst>
+            </p:cNvPr>
+            <p:cNvSpPr/>
+            <p:nvPr/>
+          </p:nvSpPr>
+          <p:spPr>
+            <a:xfrm>
+              <a:off x="2910249" y="4402111"/>
+              <a:ext cx="923544" cy="228600"/>
+            </a:xfrm>
+            <a:prstGeom prst="rect">
+              <a:avLst/>
+            </a:prstGeom>
+            <a:solidFill>
+              <a:schemeClr val="bg1">
+                <a:lumMod val="85000"/>
+              </a:schemeClr>
+            </a:solidFill>
+            <a:ln>
+              <a:solidFill>
+                <a:schemeClr val="bg1">
+                  <a:lumMod val="85000"/>
+                </a:schemeClr>
+              </a:solidFill>
+            </a:ln>
+          </p:spPr>
+          <p:style>
+            <a:lnRef idx="2">
+              <a:schemeClr val="accent6"/>
+            </a:lnRef>
+            <a:fillRef idx="1">
+              <a:schemeClr val="lt1"/>
+            </a:fillRef>
+            <a:effectRef idx="0">
+              <a:schemeClr val="accent6"/>
+            </a:effectRef>
+            <a:fontRef idx="minor">
+              <a:schemeClr val="dk1"/>
+            </a:fontRef>
+          </p:style>
+          <p:txBody>
+            <a:bodyPr rtlCol="0" anchor="ctr"/>
+            <a:lstStyle/>
+            <a:p>
+              <a:pPr algn="ctr"/>
+              <a:r>
+                <a:rPr lang="en-US" sz="1200" dirty="0">
+                  <a:solidFill>
+                    <a:schemeClr val="tx1"/>
+                  </a:solidFill>
+                </a:rPr>
+                <a:t>Attenuation </a:t>
+              </a:r>
+            </a:p>
+          </p:txBody>
+        </p:sp>
+        <p:sp>
+          <p:nvSpPr>
+            <p:cNvPr id="114" name="Rectangle 113">
+              <a:extLst>
+                <a:ext uri="{FF2B5EF4-FFF2-40B4-BE49-F238E27FC236}">
+                  <a16:creationId xmlns:a16="http://schemas.microsoft.com/office/drawing/2014/main" id="{1A834B2E-6877-48C7-9606-1AA245ACBCDD}"/>
+                </a:ext>
+              </a:extLst>
+            </p:cNvPr>
+            <p:cNvSpPr/>
+            <p:nvPr/>
+          </p:nvSpPr>
+          <p:spPr>
+            <a:xfrm>
+              <a:off x="4929202" y="4400409"/>
+              <a:ext cx="713232" cy="228600"/>
+            </a:xfrm>
+            <a:prstGeom prst="rect">
+              <a:avLst/>
+            </a:prstGeom>
+            <a:solidFill>
+              <a:schemeClr val="bg1">
+                <a:lumMod val="85000"/>
+              </a:schemeClr>
+            </a:solidFill>
+            <a:ln>
+              <a:solidFill>
+                <a:schemeClr val="bg1">
+                  <a:lumMod val="85000"/>
+                </a:schemeClr>
+              </a:solidFill>
+            </a:ln>
+          </p:spPr>
+          <p:style>
+            <a:lnRef idx="2">
+              <a:schemeClr val="accent6"/>
+            </a:lnRef>
+            <a:fillRef idx="1">
+              <a:schemeClr val="lt1"/>
+            </a:fillRef>
+            <a:effectRef idx="0">
+              <a:schemeClr val="accent6"/>
+            </a:effectRef>
+            <a:fontRef idx="minor">
+              <a:schemeClr val="dk1"/>
+            </a:fontRef>
+          </p:style>
+          <p:txBody>
+            <a:bodyPr rtlCol="0" anchor="ctr"/>
+            <a:lstStyle/>
+            <a:p>
+              <a:pPr algn="ctr"/>
+              <a:r>
+                <a:rPr lang="en-US" sz="1200" dirty="0">
+                  <a:solidFill>
+                    <a:schemeClr val="tx1"/>
+                  </a:solidFill>
+                </a:rPr>
+                <a:t>Porosity </a:t>
+              </a:r>
+            </a:p>
+          </p:txBody>
+        </p:sp>
+        <p:sp>
+          <p:nvSpPr>
+            <p:cNvPr id="118" name="Rectangle 117">
+              <a:extLst>
+                <a:ext uri="{FF2B5EF4-FFF2-40B4-BE49-F238E27FC236}">
+                  <a16:creationId xmlns:a16="http://schemas.microsoft.com/office/drawing/2014/main" id="{6B71420A-C903-4321-8CC7-BC5FB26A9A5B}"/>
+                </a:ext>
+              </a:extLst>
+            </p:cNvPr>
+            <p:cNvSpPr/>
+            <p:nvPr/>
+          </p:nvSpPr>
+          <p:spPr>
+            <a:xfrm>
+              <a:off x="5959995" y="4405505"/>
+              <a:ext cx="1097280" cy="228600"/>
+            </a:xfrm>
+            <a:prstGeom prst="rect">
+              <a:avLst/>
+            </a:prstGeom>
+            <a:solidFill>
+              <a:schemeClr val="bg1">
+                <a:lumMod val="85000"/>
+              </a:schemeClr>
+            </a:solidFill>
+            <a:ln>
+              <a:solidFill>
+                <a:schemeClr val="bg1">
+                  <a:lumMod val="85000"/>
+                </a:schemeClr>
+              </a:solidFill>
+            </a:ln>
+          </p:spPr>
+          <p:style>
+            <a:lnRef idx="2">
+              <a:schemeClr val="accent6"/>
+            </a:lnRef>
+            <a:fillRef idx="1">
+              <a:schemeClr val="lt1"/>
+            </a:fillRef>
+            <a:effectRef idx="0">
+              <a:schemeClr val="accent6"/>
+            </a:effectRef>
+            <a:fontRef idx="minor">
+              <a:schemeClr val="dk1"/>
+            </a:fontRef>
+          </p:style>
+          <p:txBody>
+            <a:bodyPr rtlCol="0" anchor="ctr"/>
+            <a:lstStyle/>
+            <a:p>
+              <a:pPr algn="ctr"/>
+              <a:r>
+                <a:rPr lang="en-US" sz="1200" dirty="0">
+                  <a:solidFill>
+                    <a:schemeClr val="tx1"/>
+                  </a:solidFill>
+                </a:rPr>
+                <a:t>Water Content </a:t>
+              </a:r>
+            </a:p>
+          </p:txBody>
+        </p:sp>
+      </p:grpSp>
+      <p:grpSp>
+        <p:nvGrpSpPr>
+          <p:cNvPr id="121" name="Group 120">
+            <a:extLst>
+              <a:ext uri="{FF2B5EF4-FFF2-40B4-BE49-F238E27FC236}">
+                <a16:creationId xmlns:a16="http://schemas.microsoft.com/office/drawing/2014/main" id="{9E6BB33E-13BA-4E73-9068-8A4C5D799F81}"/>
+              </a:ext>
+            </a:extLst>
+          </p:cNvPr>
+          <p:cNvGrpSpPr/>
+          <p:nvPr/>
+        </p:nvGrpSpPr>
+        <p:grpSpPr>
+          <a:xfrm>
+            <a:off x="235030" y="4974010"/>
+            <a:ext cx="8592878" cy="247093"/>
+            <a:chOff x="348855" y="4647987"/>
+            <a:chExt cx="8592878" cy="247093"/>
+          </a:xfrm>
+        </p:grpSpPr>
+        <p:grpSp>
+          <p:nvGrpSpPr>
+            <p:cNvPr id="122" name="Group 121">
+              <a:extLst>
+                <a:ext uri="{FF2B5EF4-FFF2-40B4-BE49-F238E27FC236}">
+                  <a16:creationId xmlns:a16="http://schemas.microsoft.com/office/drawing/2014/main" id="{CD7C5A0E-D32C-404B-BDBD-1A0B578D07BD}"/>
+                </a:ext>
+              </a:extLst>
+            </p:cNvPr>
+            <p:cNvGrpSpPr/>
+            <p:nvPr/>
+          </p:nvGrpSpPr>
+          <p:grpSpPr>
+            <a:xfrm>
+              <a:off x="348855" y="4647987"/>
+              <a:ext cx="8592878" cy="247093"/>
+              <a:chOff x="320512" y="2187714"/>
+              <a:chExt cx="8592878" cy="247093"/>
+            </a:xfrm>
+          </p:grpSpPr>
+          <p:grpSp>
+            <p:nvGrpSpPr>
+              <p:cNvPr id="124" name="Group 123">
+                <a:extLst>
+                  <a:ext uri="{FF2B5EF4-FFF2-40B4-BE49-F238E27FC236}">
+                    <a16:creationId xmlns:a16="http://schemas.microsoft.com/office/drawing/2014/main" id="{06232884-EECD-4C67-9E7B-C4CDB783BF44}"/>
+                  </a:ext>
+                </a:extLst>
+              </p:cNvPr>
+              <p:cNvGrpSpPr/>
+              <p:nvPr/>
+            </p:nvGrpSpPr>
+            <p:grpSpPr>
+              <a:xfrm>
+                <a:off x="640459" y="2187714"/>
+                <a:ext cx="8272931" cy="247093"/>
+                <a:chOff x="640459" y="1756797"/>
+                <a:chExt cx="8272931" cy="247093"/>
+              </a:xfrm>
+            </p:grpSpPr>
+            <p:sp>
+              <p:nvSpPr>
+                <p:cNvPr id="126" name="Rectangle 125">
+                  <a:extLst>
+                    <a:ext uri="{FF2B5EF4-FFF2-40B4-BE49-F238E27FC236}">
+                      <a16:creationId xmlns:a16="http://schemas.microsoft.com/office/drawing/2014/main" id="{1A5A0226-BCD4-4F64-BEA5-F9335CE56ABC}"/>
+                    </a:ext>
+                  </a:extLst>
+                </p:cNvPr>
+                <p:cNvSpPr/>
+                <p:nvPr/>
+              </p:nvSpPr>
+              <p:spPr>
+                <a:xfrm>
+                  <a:off x="640459" y="1761855"/>
+                  <a:ext cx="1143000" cy="236763"/>
+                </a:xfrm>
+                <a:prstGeom prst="rect">
+                  <a:avLst/>
+                </a:prstGeom>
+                <a:ln>
+                  <a:solidFill>
+                    <a:schemeClr val="bg1">
+                      <a:lumMod val="65000"/>
+                    </a:schemeClr>
+                  </a:solidFill>
+                </a:ln>
+              </p:spPr>
+              <p:style>
+                <a:lnRef idx="2">
+                  <a:schemeClr val="accent6"/>
+                </a:lnRef>
+                <a:fillRef idx="1">
+                  <a:schemeClr val="lt1"/>
+                </a:fillRef>
+                <a:effectRef idx="0">
+                  <a:schemeClr val="accent6"/>
+                </a:effectRef>
+                <a:fontRef idx="minor">
+                  <a:schemeClr val="dk1"/>
+                </a:fontRef>
+              </p:style>
+              <p:txBody>
+                <a:bodyPr rtlCol="0" anchor="ctr"/>
+                <a:lstStyle/>
+                <a:p>
+                  <a:pPr algn="ctr"/>
+                  <a:endParaRPr lang="en-US" sz="1200" dirty="0">
+                    <a:solidFill>
+                      <a:schemeClr val="tx1"/>
+                    </a:solidFill>
+                  </a:endParaRPr>
+                </a:p>
+              </p:txBody>
+            </p:sp>
+            <p:sp>
+              <p:nvSpPr>
+                <p:cNvPr id="127" name="Rectangle 126">
+                  <a:extLst>
+                    <a:ext uri="{FF2B5EF4-FFF2-40B4-BE49-F238E27FC236}">
+                      <a16:creationId xmlns:a16="http://schemas.microsoft.com/office/drawing/2014/main" id="{06282490-C27E-4DCD-BEA6-B4B3B2EC14A4}"/>
+                    </a:ext>
+                  </a:extLst>
+                </p:cNvPr>
+                <p:cNvSpPr/>
+                <p:nvPr/>
+              </p:nvSpPr>
+              <p:spPr>
+                <a:xfrm>
+                  <a:off x="1895878" y="1767127"/>
+                  <a:ext cx="914400" cy="236763"/>
+                </a:xfrm>
+                <a:prstGeom prst="rect">
+                  <a:avLst/>
+                </a:prstGeom>
+                <a:ln>
+                  <a:solidFill>
+                    <a:schemeClr val="bg1">
+                      <a:lumMod val="65000"/>
+                    </a:schemeClr>
+                  </a:solidFill>
+                </a:ln>
+              </p:spPr>
+              <p:style>
+                <a:lnRef idx="2">
+                  <a:schemeClr val="accent6"/>
+                </a:lnRef>
+                <a:fillRef idx="1">
+                  <a:schemeClr val="lt1"/>
+                </a:fillRef>
+                <a:effectRef idx="0">
+                  <a:schemeClr val="accent6"/>
+                </a:effectRef>
+                <a:fontRef idx="minor">
+                  <a:schemeClr val="dk1"/>
+                </a:fontRef>
+              </p:style>
+              <p:txBody>
+                <a:bodyPr rtlCol="0" anchor="ctr"/>
+                <a:lstStyle/>
+                <a:p>
+                  <a:pPr algn="ctr"/>
+                  <a:endParaRPr lang="en-US" sz="1200" dirty="0">
+                    <a:solidFill>
+                      <a:schemeClr val="tx1"/>
+                    </a:solidFill>
+                  </a:endParaRPr>
+                </a:p>
+              </p:txBody>
+            </p:sp>
+            <p:sp>
+              <p:nvSpPr>
+                <p:cNvPr id="128" name="Rectangle 127">
+                  <a:extLst>
+                    <a:ext uri="{FF2B5EF4-FFF2-40B4-BE49-F238E27FC236}">
+                      <a16:creationId xmlns:a16="http://schemas.microsoft.com/office/drawing/2014/main" id="{2790E6EC-DBBC-41F9-A1F4-B8208B8CB452}"/>
+                    </a:ext>
+                  </a:extLst>
+                </p:cNvPr>
+                <p:cNvSpPr/>
+                <p:nvPr/>
+              </p:nvSpPr>
+              <p:spPr>
+                <a:xfrm>
+                  <a:off x="4987408" y="1766506"/>
+                  <a:ext cx="914400" cy="236763"/>
+                </a:xfrm>
+                <a:prstGeom prst="rect">
+                  <a:avLst/>
+                </a:prstGeom>
+                <a:ln>
+                  <a:solidFill>
+                    <a:schemeClr val="bg1">
+                      <a:lumMod val="65000"/>
+                    </a:schemeClr>
+                  </a:solidFill>
+                </a:ln>
+              </p:spPr>
+              <p:style>
+                <a:lnRef idx="2">
+                  <a:schemeClr val="accent6"/>
+                </a:lnRef>
+                <a:fillRef idx="1">
+                  <a:schemeClr val="lt1"/>
+                </a:fillRef>
+                <a:effectRef idx="0">
+                  <a:schemeClr val="accent6"/>
+                </a:effectRef>
+                <a:fontRef idx="minor">
+                  <a:schemeClr val="dk1"/>
+                </a:fontRef>
+              </p:style>
+              <p:txBody>
+                <a:bodyPr rtlCol="0" anchor="ctr"/>
+                <a:lstStyle/>
+                <a:p>
+                  <a:pPr algn="ctr"/>
+                  <a:endParaRPr lang="en-US" sz="1200" dirty="0">
+                    <a:solidFill>
+                      <a:schemeClr val="tx1"/>
+                    </a:solidFill>
+                  </a:endParaRPr>
+                </a:p>
+              </p:txBody>
+            </p:sp>
+            <p:sp>
+              <p:nvSpPr>
+                <p:cNvPr id="129" name="Rectangle 128">
+                  <a:extLst>
+                    <a:ext uri="{FF2B5EF4-FFF2-40B4-BE49-F238E27FC236}">
+                      <a16:creationId xmlns:a16="http://schemas.microsoft.com/office/drawing/2014/main" id="{66D27829-F542-45D3-8F4F-7FA40D2D58EC}"/>
+                    </a:ext>
+                  </a:extLst>
+                </p:cNvPr>
+                <p:cNvSpPr/>
+                <p:nvPr/>
+              </p:nvSpPr>
+              <p:spPr>
+                <a:xfrm>
+                  <a:off x="2928441" y="1758008"/>
+                  <a:ext cx="914400" cy="236763"/>
+                </a:xfrm>
+                <a:prstGeom prst="rect">
+                  <a:avLst/>
+                </a:prstGeom>
+                <a:ln>
+                  <a:solidFill>
+                    <a:schemeClr val="bg1">
+                      <a:lumMod val="65000"/>
+                    </a:schemeClr>
+                  </a:solidFill>
+                </a:ln>
+              </p:spPr>
+              <p:style>
+                <a:lnRef idx="2">
+                  <a:schemeClr val="accent6"/>
+                </a:lnRef>
+                <a:fillRef idx="1">
+                  <a:schemeClr val="lt1"/>
+                </a:fillRef>
+                <a:effectRef idx="0">
+                  <a:schemeClr val="accent6"/>
+                </a:effectRef>
+                <a:fontRef idx="minor">
+                  <a:schemeClr val="dk1"/>
+                </a:fontRef>
+              </p:style>
+              <p:txBody>
+                <a:bodyPr rtlCol="0" anchor="ctr"/>
+                <a:lstStyle/>
+                <a:p>
+                  <a:pPr algn="ctr"/>
+                  <a:endParaRPr lang="en-US" sz="1200" dirty="0">
+                    <a:solidFill>
+                      <a:schemeClr val="tx1"/>
+                    </a:solidFill>
+                  </a:endParaRPr>
+                </a:p>
+              </p:txBody>
+            </p:sp>
+            <p:sp>
+              <p:nvSpPr>
+                <p:cNvPr id="130" name="Rectangle 129">
+                  <a:extLst>
+                    <a:ext uri="{FF2B5EF4-FFF2-40B4-BE49-F238E27FC236}">
+                      <a16:creationId xmlns:a16="http://schemas.microsoft.com/office/drawing/2014/main" id="{9A13DEA5-3928-4374-97A4-9A59F98F4410}"/>
+                    </a:ext>
+                  </a:extLst>
+                </p:cNvPr>
+                <p:cNvSpPr/>
+                <p:nvPr/>
+              </p:nvSpPr>
+              <p:spPr>
+                <a:xfrm>
+                  <a:off x="3955260" y="1756797"/>
+                  <a:ext cx="914400" cy="236763"/>
+                </a:xfrm>
+                <a:prstGeom prst="rect">
+                  <a:avLst/>
+                </a:prstGeom>
+                <a:ln>
+                  <a:solidFill>
+                    <a:schemeClr val="bg1">
+                      <a:lumMod val="65000"/>
+                    </a:schemeClr>
+                  </a:solidFill>
+                </a:ln>
+              </p:spPr>
+              <p:style>
+                <a:lnRef idx="2">
+                  <a:schemeClr val="accent6"/>
+                </a:lnRef>
+                <a:fillRef idx="1">
+                  <a:schemeClr val="lt1"/>
+                </a:fillRef>
+                <a:effectRef idx="0">
+                  <a:schemeClr val="accent6"/>
+                </a:effectRef>
+                <a:fontRef idx="minor">
+                  <a:schemeClr val="dk1"/>
+                </a:fontRef>
+              </p:style>
+              <p:txBody>
+                <a:bodyPr rtlCol="0" anchor="ctr"/>
+                <a:lstStyle/>
+                <a:p>
+                  <a:pPr algn="ctr"/>
+                  <a:endParaRPr lang="en-US" sz="1200" dirty="0">
+                    <a:solidFill>
+                      <a:schemeClr val="tx1"/>
+                    </a:solidFill>
+                  </a:endParaRPr>
+                </a:p>
+              </p:txBody>
+            </p:sp>
+            <p:sp>
+              <p:nvSpPr>
+                <p:cNvPr id="131" name="Rectangle 130">
+                  <a:extLst>
+                    <a:ext uri="{FF2B5EF4-FFF2-40B4-BE49-F238E27FC236}">
+                      <a16:creationId xmlns:a16="http://schemas.microsoft.com/office/drawing/2014/main" id="{E8B24B09-4890-4BFF-B52E-FB6C84C4414B}"/>
+                    </a:ext>
+                  </a:extLst>
+                </p:cNvPr>
+                <p:cNvSpPr/>
+                <p:nvPr/>
+              </p:nvSpPr>
+              <p:spPr>
+                <a:xfrm>
+                  <a:off x="6008208" y="1757033"/>
+                  <a:ext cx="914400" cy="236763"/>
+                </a:xfrm>
+                <a:prstGeom prst="rect">
+                  <a:avLst/>
+                </a:prstGeom>
+                <a:ln>
+                  <a:solidFill>
+                    <a:schemeClr val="bg1">
+                      <a:lumMod val="65000"/>
+                    </a:schemeClr>
+                  </a:solidFill>
+                </a:ln>
+              </p:spPr>
+              <p:style>
+                <a:lnRef idx="2">
+                  <a:schemeClr val="accent6"/>
+                </a:lnRef>
+                <a:fillRef idx="1">
+                  <a:schemeClr val="lt1"/>
+                </a:fillRef>
+                <a:effectRef idx="0">
+                  <a:schemeClr val="accent6"/>
+                </a:effectRef>
+                <a:fontRef idx="minor">
+                  <a:schemeClr val="dk1"/>
+                </a:fontRef>
+              </p:style>
+              <p:txBody>
+                <a:bodyPr rtlCol="0" anchor="ctr"/>
+                <a:lstStyle/>
+                <a:p>
+                  <a:pPr algn="ctr"/>
+                  <a:endParaRPr lang="en-US" sz="1200" dirty="0">
+                    <a:solidFill>
+                      <a:schemeClr val="tx1"/>
+                    </a:solidFill>
+                  </a:endParaRPr>
+                </a:p>
+              </p:txBody>
+            </p:sp>
+            <p:sp>
+              <p:nvSpPr>
+                <p:cNvPr id="134" name="Rectangle 133">
+                  <a:extLst>
+                    <a:ext uri="{FF2B5EF4-FFF2-40B4-BE49-F238E27FC236}">
+                      <a16:creationId xmlns:a16="http://schemas.microsoft.com/office/drawing/2014/main" id="{E84A2032-6257-4148-BD81-3199AD563514}"/>
+                    </a:ext>
+                  </a:extLst>
+                </p:cNvPr>
+                <p:cNvSpPr/>
+                <p:nvPr/>
+              </p:nvSpPr>
+              <p:spPr>
+                <a:xfrm>
+                  <a:off x="7998990" y="1757918"/>
+                  <a:ext cx="914400" cy="236763"/>
+                </a:xfrm>
+                <a:prstGeom prst="rect">
+                  <a:avLst/>
+                </a:prstGeom>
+                <a:solidFill>
+                  <a:schemeClr val="bg1">
+                    <a:lumMod val="75000"/>
+                  </a:schemeClr>
+                </a:solidFill>
+                <a:ln>
+                  <a:solidFill>
+                    <a:schemeClr val="bg1">
+                      <a:lumMod val="65000"/>
+                    </a:schemeClr>
+                  </a:solidFill>
+                </a:ln>
+              </p:spPr>
+              <p:style>
+                <a:lnRef idx="2">
+                  <a:schemeClr val="accent6"/>
+                </a:lnRef>
+                <a:fillRef idx="1">
+                  <a:schemeClr val="lt1"/>
+                </a:fillRef>
+                <a:effectRef idx="0">
+                  <a:schemeClr val="accent6"/>
+                </a:effectRef>
+                <a:fontRef idx="minor">
+                  <a:schemeClr val="dk1"/>
+                </a:fontRef>
+              </p:style>
+              <p:txBody>
+                <a:bodyPr rtlCol="0" anchor="ctr"/>
+                <a:lstStyle/>
+                <a:p>
+                  <a:pPr algn="ctr"/>
+                  <a:endParaRPr lang="en-US" sz="1200" dirty="0">
+                    <a:solidFill>
+                      <a:schemeClr val="tx1"/>
+                    </a:solidFill>
+                  </a:endParaRPr>
+                </a:p>
+              </p:txBody>
+            </p:sp>
+          </p:grpSp>
+          <p:sp>
+            <p:nvSpPr>
+              <p:cNvPr id="125" name="Rectangle 124">
+                <a:extLst>
+                  <a:ext uri="{FF2B5EF4-FFF2-40B4-BE49-F238E27FC236}">
+                    <a16:creationId xmlns:a16="http://schemas.microsoft.com/office/drawing/2014/main" id="{3C98267C-E507-49A8-9D9C-A5FCADDF7E87}"/>
+                  </a:ext>
+                </a:extLst>
+              </p:cNvPr>
+              <p:cNvSpPr/>
+              <p:nvPr/>
+            </p:nvSpPr>
+            <p:spPr>
+              <a:xfrm>
+                <a:off x="320512" y="2228655"/>
+                <a:ext cx="145157" cy="145157"/>
+              </a:xfrm>
+              <a:prstGeom prst="rect">
+                <a:avLst/>
+              </a:prstGeom>
+              <a:solidFill>
+                <a:schemeClr val="accent2">
+                  <a:lumMod val="75000"/>
+                </a:schemeClr>
+              </a:solidFill>
+            </p:spPr>
+            <p:style>
+              <a:lnRef idx="2">
+                <a:schemeClr val="dk1">
+                  <a:shade val="50000"/>
+                </a:schemeClr>
+              </a:lnRef>
+              <a:fillRef idx="1">
+                <a:schemeClr val="dk1"/>
+              </a:fillRef>
+              <a:effectRef idx="0">
+                <a:schemeClr val="dk1"/>
+              </a:effectRef>
+              <a:fontRef idx="minor">
+                <a:schemeClr val="lt1"/>
+              </a:fontRef>
+            </p:style>
+            <p:txBody>
+              <a:bodyPr rtlCol="0" anchor="ctr"/>
+              <a:lstStyle/>
+              <a:p>
+                <a:pPr algn="ctr"/>
+                <a:endParaRPr lang="en-US"/>
+              </a:p>
+            </p:txBody>
+          </p:sp>
+        </p:grpSp>
+        <p:sp>
+          <p:nvSpPr>
+            <p:cNvPr id="123" name="Circle: Hollow 122">
+              <a:extLst>
+                <a:ext uri="{FF2B5EF4-FFF2-40B4-BE49-F238E27FC236}">
+                  <a16:creationId xmlns:a16="http://schemas.microsoft.com/office/drawing/2014/main" id="{1E9E66A0-EA5E-45D7-A4F9-787EF1B070CA}"/>
+                </a:ext>
+              </a:extLst>
+            </p:cNvPr>
+            <p:cNvSpPr/>
+            <p:nvPr/>
+          </p:nvSpPr>
+          <p:spPr>
+            <a:xfrm>
+              <a:off x="7460817" y="4713312"/>
+              <a:ext cx="136754" cy="136754"/>
+            </a:xfrm>
+            <a:prstGeom prst="donut">
+              <a:avLst/>
+            </a:prstGeom>
+          </p:spPr>
+          <p:style>
+            <a:lnRef idx="2">
+              <a:schemeClr val="dk1">
+                <a:shade val="50000"/>
+              </a:schemeClr>
+            </a:lnRef>
+            <a:fillRef idx="1">
+              <a:schemeClr val="dk1"/>
+            </a:fillRef>
+            <a:effectRef idx="0">
+              <a:schemeClr val="dk1"/>
+            </a:effectRef>
+            <a:fontRef idx="minor">
+              <a:schemeClr val="lt1"/>
+            </a:fontRef>
+          </p:style>
+          <p:txBody>
+            <a:bodyPr rtlCol="0" anchor="ctr"/>
+            <a:lstStyle/>
+            <a:p>
+              <a:pPr algn="ctr"/>
+              <a:endParaRPr lang="en-US">
+                <a:solidFill>
+                  <a:schemeClr val="tx1"/>
+                </a:solidFill>
+              </a:endParaRPr>
+            </a:p>
+          </p:txBody>
+        </p:sp>
+      </p:grpSp>
+      <p:sp>
+        <p:nvSpPr>
+          <p:cNvPr id="20" name="Rectangle 19">
+            <a:extLst>
+              <a:ext uri="{FF2B5EF4-FFF2-40B4-BE49-F238E27FC236}">
+                <a16:creationId xmlns:a16="http://schemas.microsoft.com/office/drawing/2014/main" id="{02F86240-06F0-4023-8593-BD84660C0630}"/>
+              </a:ext>
+            </a:extLst>
+          </p:cNvPr>
+          <p:cNvSpPr/>
+          <p:nvPr/>
+        </p:nvSpPr>
+        <p:spPr>
+          <a:xfrm>
+            <a:off x="8923958" y="4629009"/>
+            <a:ext cx="132116" cy="1992465"/>
+          </a:xfrm>
+          <a:prstGeom prst="rect">
+            <a:avLst/>
+          </a:prstGeom>
+          <a:solidFill>
+            <a:schemeClr val="bg2"/>
+          </a:solidFill>
+          <a:ln>
+            <a:solidFill>
+              <a:schemeClr val="tx1"/>
+            </a:solidFill>
+          </a:ln>
+        </p:spPr>
+        <p:style>
+          <a:lnRef idx="2">
+            <a:schemeClr val="accent1">
+              <a:shade val="50000"/>
+            </a:schemeClr>
+          </a:lnRef>
+          <a:fillRef idx="1">
+            <a:schemeClr val="accent1"/>
+          </a:fillRef>
+          <a:effectRef idx="0">
+            <a:schemeClr val="accent1"/>
+          </a:effectRef>
+          <a:fontRef idx="minor">
+            <a:schemeClr val="lt1"/>
+          </a:fontRef>
+        </p:style>
+        <p:txBody>
+          <a:bodyPr rtlCol="0" anchor="ctr"/>
+          <a:lstStyle/>
+          <a:p>
+            <a:pPr algn="ctr"/>
+            <a:endParaRPr lang="en-US"/>
+          </a:p>
+        </p:txBody>
+      </p:sp>
+      <p:sp>
+        <p:nvSpPr>
+          <p:cNvPr id="136" name="Rectangle 135">
+            <a:extLst>
+              <a:ext uri="{FF2B5EF4-FFF2-40B4-BE49-F238E27FC236}">
+                <a16:creationId xmlns:a16="http://schemas.microsoft.com/office/drawing/2014/main" id="{9D1C196E-4377-4AA7-8A60-E2A9D90392C9}"/>
+              </a:ext>
+            </a:extLst>
+          </p:cNvPr>
+          <p:cNvSpPr/>
+          <p:nvPr/>
+        </p:nvSpPr>
+        <p:spPr>
+          <a:xfrm>
+            <a:off x="6416015" y="1827138"/>
+            <a:ext cx="1005840" cy="236763"/>
+          </a:xfrm>
+          <a:prstGeom prst="rect">
+            <a:avLst/>
+          </a:prstGeom>
+          <a:solidFill>
+            <a:schemeClr val="bg1">
+              <a:lumMod val="85000"/>
+            </a:schemeClr>
+          </a:solidFill>
+          <a:ln>
+            <a:solidFill>
+              <a:schemeClr val="bg1">
+                <a:lumMod val="85000"/>
+              </a:schemeClr>
+            </a:solidFill>
+          </a:ln>
+        </p:spPr>
+        <p:style>
+          <a:lnRef idx="2">
+            <a:schemeClr val="accent6"/>
+          </a:lnRef>
+          <a:fillRef idx="1">
+            <a:schemeClr val="lt1"/>
+          </a:fillRef>
+          <a:effectRef idx="0">
+            <a:schemeClr val="accent6"/>
+          </a:effectRef>
+          <a:fontRef idx="minor">
+            <a:schemeClr val="dk1"/>
+          </a:fontRef>
+        </p:style>
+        <p:txBody>
+          <a:bodyPr rtlCol="0" anchor="ctr"/>
+          <a:lstStyle/>
+          <a:p>
+            <a:pPr algn="r"/>
+            <a:r>
+              <a:rPr lang="en-US" sz="1200" dirty="0">
+                <a:solidFill>
+                  <a:schemeClr val="tx1"/>
+                </a:solidFill>
+              </a:rPr>
+              <a:t>Boundary:</a:t>
+            </a:r>
+          </a:p>
+        </p:txBody>
+      </p:sp>
+      <p:sp>
+        <p:nvSpPr>
+          <p:cNvPr id="139" name="Rectangle 138">
+            <a:extLst>
+              <a:ext uri="{FF2B5EF4-FFF2-40B4-BE49-F238E27FC236}">
+                <a16:creationId xmlns:a16="http://schemas.microsoft.com/office/drawing/2014/main" id="{C436FE07-A32F-49E8-B4A9-E6B93799BBC6}"/>
+              </a:ext>
+            </a:extLst>
+          </p:cNvPr>
+          <p:cNvSpPr/>
+          <p:nvPr/>
+        </p:nvSpPr>
+        <p:spPr>
+          <a:xfrm>
+            <a:off x="7428016" y="1835380"/>
+            <a:ext cx="685800" cy="236763"/>
+          </a:xfrm>
+          <a:prstGeom prst="rect">
+            <a:avLst/>
+          </a:prstGeom>
+          <a:ln>
+            <a:solidFill>
+              <a:schemeClr val="bg1">
+                <a:lumMod val="65000"/>
+              </a:schemeClr>
+            </a:solidFill>
+          </a:ln>
+        </p:spPr>
+        <p:style>
+          <a:lnRef idx="2">
+            <a:schemeClr val="accent6"/>
+          </a:lnRef>
+          <a:fillRef idx="1">
+            <a:schemeClr val="lt1"/>
+          </a:fillRef>
+          <a:effectRef idx="0">
+            <a:schemeClr val="accent6"/>
+          </a:effectRef>
+          <a:fontRef idx="minor">
+            <a:schemeClr val="dk1"/>
+          </a:fontRef>
+        </p:style>
+        <p:txBody>
+          <a:bodyPr rtlCol="0" anchor="ctr"/>
+          <a:lstStyle/>
+          <a:p>
+            <a:pPr algn="ctr"/>
+            <a:endParaRPr lang="en-US" sz="1200" dirty="0">
+              <a:solidFill>
+                <a:schemeClr val="tx1"/>
+              </a:solidFill>
+            </a:endParaRPr>
+          </a:p>
+        </p:txBody>
+      </p:sp>
+      <p:grpSp>
+        <p:nvGrpSpPr>
+          <p:cNvPr id="140" name="Group 139">
+            <a:extLst>
+              <a:ext uri="{FF2B5EF4-FFF2-40B4-BE49-F238E27FC236}">
+                <a16:creationId xmlns:a16="http://schemas.microsoft.com/office/drawing/2014/main" id="{38569129-7656-4C90-A8D0-28D092519568}"/>
+              </a:ext>
+            </a:extLst>
+          </p:cNvPr>
+          <p:cNvGrpSpPr/>
+          <p:nvPr/>
+        </p:nvGrpSpPr>
+        <p:grpSpPr>
+          <a:xfrm>
+            <a:off x="1405439" y="6810814"/>
+            <a:ext cx="4002638" cy="245005"/>
+            <a:chOff x="182336" y="271428"/>
+            <a:chExt cx="4002638" cy="245005"/>
+          </a:xfrm>
+        </p:grpSpPr>
+        <p:sp>
+          <p:nvSpPr>
+            <p:cNvPr id="141" name="Rectangle 140">
+              <a:extLst>
+                <a:ext uri="{FF2B5EF4-FFF2-40B4-BE49-F238E27FC236}">
+                  <a16:creationId xmlns:a16="http://schemas.microsoft.com/office/drawing/2014/main" id="{7A035F60-ACAF-4ADA-B78B-B72AB11E261B}"/>
+                </a:ext>
+              </a:extLst>
+            </p:cNvPr>
+            <p:cNvSpPr/>
+            <p:nvPr/>
+          </p:nvSpPr>
+          <p:spPr>
+            <a:xfrm>
+              <a:off x="182336" y="271428"/>
+              <a:ext cx="1238250" cy="236763"/>
+            </a:xfrm>
+            <a:prstGeom prst="rect">
+              <a:avLst/>
+            </a:prstGeom>
+            <a:solidFill>
+              <a:schemeClr val="bg1">
+                <a:lumMod val="85000"/>
+              </a:schemeClr>
+            </a:solidFill>
+            <a:ln>
+              <a:solidFill>
+                <a:schemeClr val="bg1">
+                  <a:lumMod val="85000"/>
+                </a:schemeClr>
+              </a:solidFill>
+            </a:ln>
+          </p:spPr>
+          <p:style>
+            <a:lnRef idx="2">
+              <a:schemeClr val="accent6"/>
+            </a:lnRef>
+            <a:fillRef idx="1">
+              <a:schemeClr val="lt1"/>
+            </a:fillRef>
+            <a:effectRef idx="0">
+              <a:schemeClr val="accent6"/>
+            </a:effectRef>
+            <a:fontRef idx="minor">
+              <a:schemeClr val="dk1"/>
+            </a:fontRef>
+          </p:style>
+          <p:txBody>
+            <a:bodyPr rtlCol="0" anchor="ctr"/>
+            <a:lstStyle/>
+            <a:p>
+              <a:pPr algn="ctr"/>
+              <a:r>
+                <a:rPr lang="en-US" sz="1200" dirty="0">
+                  <a:solidFill>
+                    <a:schemeClr val="tx1"/>
+                  </a:solidFill>
+                </a:rPr>
+                <a:t>Select Run Type:</a:t>
+              </a:r>
+            </a:p>
+          </p:txBody>
+        </p:sp>
+        <p:sp>
+          <p:nvSpPr>
+            <p:cNvPr id="142" name="Rectangle 141">
+              <a:extLst>
+                <a:ext uri="{FF2B5EF4-FFF2-40B4-BE49-F238E27FC236}">
+                  <a16:creationId xmlns:a16="http://schemas.microsoft.com/office/drawing/2014/main" id="{F327AC2E-7C39-4F4F-8DE7-2062FCFD3D99}"/>
+                </a:ext>
+              </a:extLst>
+            </p:cNvPr>
+            <p:cNvSpPr/>
+            <p:nvPr/>
+          </p:nvSpPr>
+          <p:spPr>
+            <a:xfrm>
+              <a:off x="1441774" y="279670"/>
+              <a:ext cx="2743200" cy="236763"/>
+            </a:xfrm>
+            <a:prstGeom prst="rect">
+              <a:avLst/>
+            </a:prstGeom>
+            <a:solidFill>
+              <a:schemeClr val="bg1"/>
+            </a:solidFill>
+            <a:ln>
+              <a:solidFill>
+                <a:schemeClr val="bg1">
+                  <a:lumMod val="65000"/>
+                </a:schemeClr>
+              </a:solidFill>
+            </a:ln>
+          </p:spPr>
+          <p:style>
+            <a:lnRef idx="2">
+              <a:schemeClr val="accent6"/>
+            </a:lnRef>
+            <a:fillRef idx="1">
+              <a:schemeClr val="lt1"/>
+            </a:fillRef>
+            <a:effectRef idx="0">
+              <a:schemeClr val="accent6"/>
+            </a:effectRef>
+            <a:fontRef idx="minor">
+              <a:schemeClr val="dk1"/>
+            </a:fontRef>
+          </p:style>
+          <p:txBody>
+            <a:bodyPr rtlCol="0" anchor="ctr"/>
+            <a:lstStyle/>
+            <a:p>
+              <a:r>
+                <a:rPr lang="en-US" sz="1200" dirty="0">
+                  <a:solidFill>
+                    <a:schemeClr val="tx1"/>
+                  </a:solidFill>
+                </a:rPr>
+                <a:t>Normal Run</a:t>
+              </a:r>
+            </a:p>
+          </p:txBody>
+        </p:sp>
+      </p:grpSp>
+      <p:sp>
+        <p:nvSpPr>
+          <p:cNvPr id="55" name="Half Frame 54">
+            <a:extLst>
+              <a:ext uri="{FF2B5EF4-FFF2-40B4-BE49-F238E27FC236}">
+                <a16:creationId xmlns:a16="http://schemas.microsoft.com/office/drawing/2014/main" id="{B4A40BD2-45E5-4206-8EA3-7844E5BEC249}"/>
+              </a:ext>
+            </a:extLst>
+          </p:cNvPr>
+          <p:cNvSpPr/>
+          <p:nvPr/>
+        </p:nvSpPr>
+        <p:spPr>
+          <a:xfrm rot="13500000">
+            <a:off x="5207652" y="6853543"/>
+            <a:ext cx="125485" cy="125485"/>
+          </a:xfrm>
+          <a:prstGeom prst="halfFrame">
+            <a:avLst>
+              <a:gd name="adj1" fmla="val 18655"/>
+              <a:gd name="adj2" fmla="val 16380"/>
+            </a:avLst>
+          </a:prstGeom>
+        </p:spPr>
+        <p:style>
+          <a:lnRef idx="2">
+            <a:schemeClr val="dk1">
+              <a:shade val="50000"/>
+            </a:schemeClr>
+          </a:lnRef>
+          <a:fillRef idx="1">
+            <a:schemeClr val="dk1"/>
+          </a:fillRef>
+          <a:effectRef idx="0">
+            <a:schemeClr val="dk1"/>
+          </a:effectRef>
+          <a:fontRef idx="minor">
+            <a:schemeClr val="lt1"/>
+          </a:fontRef>
+        </p:style>
+        <p:txBody>
+          <a:bodyPr rtlCol="0" anchor="ctr"/>
+          <a:lstStyle/>
+          <a:p>
+            <a:pPr algn="ctr"/>
+            <a:endParaRPr lang="en-US">
+              <a:solidFill>
+                <a:schemeClr val="tx1"/>
+              </a:solidFill>
+            </a:endParaRPr>
+          </a:p>
+        </p:txBody>
+      </p:sp>
+    </p:spTree>
+    <p:extLst>
+      <p:ext uri="{BB962C8B-B14F-4D97-AF65-F5344CB8AC3E}">
+        <p14:creationId xmlns:p14="http://schemas.microsoft.com/office/powerpoint/2010/main" val="1595481853"/>
+      </p:ext>
+    </p:extLst>
+  </p:cSld>
+  <p:clrMapOvr>
+    <a:masterClrMapping/>
+  </p:clrMapOvr>
+</p:sld>
+</file>
+
+<file path=ppt/slides/slide3.xml><?xml version="1.0" encoding="utf-8"?>
+<p:sld xmlns:a="http://schemas.openxmlformats.org/drawingml/2006/main" xmlns:r="http://schemas.openxmlformats.org/officeDocument/2006/relationships" xmlns:p="http://schemas.openxmlformats.org/presentationml/2006/main">
+  <p:cSld>
+    <p:spTree>
+      <p:nvGrpSpPr>
+        <p:cNvPr id="1" name=""/>
+        <p:cNvGrpSpPr/>
+        <p:nvPr/>
+      </p:nvGrpSpPr>
+      <p:grpSpPr>
+        <a:xfrm>
+          <a:off x="0" y="0"/>
+          <a:ext cx="0" cy="0"/>
+          <a:chOff x="0" y="0"/>
+          <a:chExt cx="0" cy="0"/>
+        </a:xfrm>
+      </p:grpSpPr>
+      <p:sp>
+        <p:nvSpPr>
+          <p:cNvPr id="7" name="Rectangle 6">
+            <a:extLst>
+              <a:ext uri="{FF2B5EF4-FFF2-40B4-BE49-F238E27FC236}">
+                <a16:creationId xmlns:a16="http://schemas.microsoft.com/office/drawing/2014/main" id="{671277D7-4E45-4515-8C80-DC3849CD8F71}"/>
+              </a:ext>
+            </a:extLst>
+          </p:cNvPr>
+          <p:cNvSpPr/>
+          <p:nvPr/>
+        </p:nvSpPr>
+        <p:spPr>
+          <a:xfrm>
+            <a:off x="-677" y="449536"/>
+            <a:ext cx="9144000" cy="3643908"/>
+          </a:xfrm>
+          <a:prstGeom prst="rect">
+            <a:avLst/>
+          </a:prstGeom>
+          <a:solidFill>
+            <a:schemeClr val="bg1">
+              <a:lumMod val="85000"/>
+            </a:schemeClr>
+          </a:solidFill>
+          <a:ln w="9525" cap="flat" cmpd="sng" algn="ctr">
+            <a:solidFill>
+              <a:schemeClr val="dk1"/>
+            </a:solidFill>
+            <a:prstDash val="solid"/>
+            <a:round/>
+            <a:headEnd type="none" w="med" len="med"/>
+            <a:tailEnd type="none" w="med" len="med"/>
+          </a:ln>
+        </p:spPr>
+        <p:style>
+          <a:lnRef idx="0">
+            <a:scrgbClr r="0" g="0" b="0"/>
+          </a:lnRef>
+          <a:fillRef idx="0">
+            <a:scrgbClr r="0" g="0" b="0"/>
+          </a:fillRef>
+          <a:effectRef idx="0">
+            <a:scrgbClr r="0" g="0" b="0"/>
+          </a:effectRef>
+          <a:fontRef idx="minor">
+            <a:schemeClr val="dk1"/>
+          </a:fontRef>
+        </p:style>
+        <p:txBody>
+          <a:bodyPr rtlCol="0" anchor="ctr"/>
+          <a:lstStyle/>
+          <a:p>
+            <a:pPr algn="ctr"/>
+            <a:endParaRPr lang="en-US" dirty="0"/>
+          </a:p>
+        </p:txBody>
+      </p:sp>
+      <p:sp>
+        <p:nvSpPr>
+          <p:cNvPr id="105" name="Rectangle 104">
+            <a:extLst>
+              <a:ext uri="{FF2B5EF4-FFF2-40B4-BE49-F238E27FC236}">
+                <a16:creationId xmlns:a16="http://schemas.microsoft.com/office/drawing/2014/main" id="{CC9B35AC-C9AD-4D6E-B2A6-F3DFDF22CA94}"/>
+              </a:ext>
+            </a:extLst>
+          </p:cNvPr>
+          <p:cNvSpPr/>
+          <p:nvPr/>
+        </p:nvSpPr>
+        <p:spPr>
+          <a:xfrm>
+            <a:off x="583876" y="1051044"/>
+            <a:ext cx="3483236" cy="2772871"/>
+          </a:xfrm>
+          <a:prstGeom prst="rect">
+            <a:avLst/>
+          </a:prstGeom>
+          <a:solidFill>
+            <a:schemeClr val="tx1"/>
+          </a:solidFill>
+          <a:ln w="9525" cap="flat" cmpd="sng" algn="ctr">
+            <a:solidFill>
+              <a:schemeClr val="dk1"/>
+            </a:solidFill>
+            <a:prstDash val="solid"/>
+            <a:round/>
+            <a:headEnd type="none" w="med" len="med"/>
+            <a:tailEnd type="none" w="med" len="med"/>
+          </a:ln>
+        </p:spPr>
+        <p:style>
+          <a:lnRef idx="0">
+            <a:scrgbClr r="0" g="0" b="0"/>
+          </a:lnRef>
+          <a:fillRef idx="0">
+            <a:scrgbClr r="0" g="0" b="0"/>
+          </a:fillRef>
+          <a:effectRef idx="0">
+            <a:scrgbClr r="0" g="0" b="0"/>
+          </a:effectRef>
+          <a:fontRef idx="minor">
+            <a:schemeClr val="dk1"/>
+          </a:fontRef>
+        </p:style>
+        <p:txBody>
+          <a:bodyPr rtlCol="0" anchor="ctr"/>
+          <a:lstStyle/>
+          <a:p>
+            <a:pPr algn="ctr"/>
+            <a:endParaRPr lang="en-US" dirty="0"/>
+          </a:p>
+        </p:txBody>
+      </p:sp>
+      <p:sp>
+        <p:nvSpPr>
+          <p:cNvPr id="4" name="Rectangle 3">
+            <a:extLst>
+              <a:ext uri="{FF2B5EF4-FFF2-40B4-BE49-F238E27FC236}">
+                <a16:creationId xmlns:a16="http://schemas.microsoft.com/office/drawing/2014/main" id="{364CE2FA-DC56-4ED9-99B7-8D95E9A62223}"/>
+              </a:ext>
+            </a:extLst>
+          </p:cNvPr>
+          <p:cNvSpPr/>
+          <p:nvPr/>
+        </p:nvSpPr>
+        <p:spPr>
+          <a:xfrm>
+            <a:off x="0" y="0"/>
+            <a:ext cx="9144000" cy="236763"/>
+          </a:xfrm>
+          <a:prstGeom prst="rect">
+            <a:avLst/>
+          </a:prstGeom>
+          <a:solidFill>
+            <a:schemeClr val="bg1">
+              <a:lumMod val="65000"/>
+            </a:schemeClr>
+          </a:solidFill>
+        </p:spPr>
+        <p:style>
+          <a:lnRef idx="2">
+            <a:schemeClr val="dk1">
+              <a:shade val="50000"/>
+            </a:schemeClr>
+          </a:lnRef>
+          <a:fillRef idx="1">
+            <a:schemeClr val="dk1"/>
+          </a:fillRef>
+          <a:effectRef idx="0">
+            <a:schemeClr val="dk1"/>
+          </a:effectRef>
+          <a:fontRef idx="minor">
+            <a:schemeClr val="lt1"/>
+          </a:fontRef>
+        </p:style>
+        <p:txBody>
+          <a:bodyPr rtlCol="0" anchor="ctr"/>
+          <a:lstStyle/>
+          <a:p>
+            <a:pPr algn="ctr"/>
+            <a:r>
+              <a:rPr lang="en-US" dirty="0">
+                <a:solidFill>
+                  <a:schemeClr val="tx1"/>
+                </a:solidFill>
+              </a:rPr>
+              <a:t>Seismic-Radar Toolbox</a:t>
+            </a:r>
+          </a:p>
+        </p:txBody>
+      </p:sp>
+      <p:sp>
+        <p:nvSpPr>
+          <p:cNvPr id="6" name="Rectangle 5">
+            <a:extLst>
+              <a:ext uri="{FF2B5EF4-FFF2-40B4-BE49-F238E27FC236}">
+                <a16:creationId xmlns:a16="http://schemas.microsoft.com/office/drawing/2014/main" id="{296C47CE-8C50-49FA-B1EC-7358EF3D9899}"/>
+              </a:ext>
+            </a:extLst>
+          </p:cNvPr>
+          <p:cNvSpPr/>
+          <p:nvPr/>
+        </p:nvSpPr>
+        <p:spPr>
+          <a:xfrm>
+            <a:off x="0" y="4098778"/>
+            <a:ext cx="9144000" cy="3257247"/>
+          </a:xfrm>
+          <a:prstGeom prst="rect">
+            <a:avLst/>
+          </a:prstGeom>
+          <a:solidFill>
+            <a:schemeClr val="bg1">
+              <a:lumMod val="85000"/>
+            </a:schemeClr>
+          </a:solidFill>
+          <a:ln w="9525" cap="flat" cmpd="sng" algn="ctr">
+            <a:solidFill>
+              <a:schemeClr val="dk1"/>
+            </a:solidFill>
+            <a:prstDash val="solid"/>
+            <a:round/>
+            <a:headEnd type="none" w="med" len="med"/>
+            <a:tailEnd type="none" w="med" len="med"/>
+          </a:ln>
+        </p:spPr>
+        <p:style>
+          <a:lnRef idx="0">
+            <a:scrgbClr r="0" g="0" b="0"/>
+          </a:lnRef>
+          <a:fillRef idx="0">
+            <a:scrgbClr r="0" g="0" b="0"/>
+          </a:fillRef>
+          <a:effectRef idx="0">
+            <a:scrgbClr r="0" g="0" b="0"/>
+          </a:effectRef>
+          <a:fontRef idx="minor">
+            <a:schemeClr val="dk1"/>
+          </a:fontRef>
+        </p:style>
+        <p:txBody>
+          <a:bodyPr rtlCol="0" anchor="ctr"/>
+          <a:lstStyle/>
+          <a:p>
+            <a:pPr algn="ctr"/>
+            <a:endParaRPr lang="en-US" dirty="0"/>
+          </a:p>
+        </p:txBody>
+      </p:sp>
+      <p:grpSp>
+        <p:nvGrpSpPr>
+          <p:cNvPr id="19" name="Group 18">
+            <a:extLst>
+              <a:ext uri="{FF2B5EF4-FFF2-40B4-BE49-F238E27FC236}">
+                <a16:creationId xmlns:a16="http://schemas.microsoft.com/office/drawing/2014/main" id="{6FE88AF2-EF2E-444F-B727-5A8BFDB317FD}"/>
+              </a:ext>
+            </a:extLst>
+          </p:cNvPr>
+          <p:cNvGrpSpPr/>
+          <p:nvPr/>
+        </p:nvGrpSpPr>
+        <p:grpSpPr>
+          <a:xfrm>
+            <a:off x="4130991" y="2026533"/>
             <a:ext cx="4701345" cy="808282"/>
             <a:chOff x="4920344" y="251025"/>
             <a:chExt cx="4701345" cy="808282"/>
@@ -4116,7 +8914,7 @@
         </p:nvGrpSpPr>
         <p:grpSpPr>
           <a:xfrm>
-            <a:off x="1966266" y="1808272"/>
+            <a:off x="1811602" y="517189"/>
             <a:ext cx="5704114" cy="245005"/>
             <a:chOff x="182336" y="271428"/>
             <a:chExt cx="5704114" cy="245005"/>
@@ -4257,7 +9055,7 @@
         </p:nvGrpSpPr>
         <p:grpSpPr>
           <a:xfrm>
-            <a:off x="638571" y="784311"/>
+            <a:off x="4106094" y="835742"/>
             <a:ext cx="2696568" cy="538783"/>
             <a:chOff x="443594" y="644945"/>
             <a:chExt cx="2696568" cy="538783"/>
@@ -4563,7 +9361,7 @@
         </p:nvSpPr>
         <p:spPr>
           <a:xfrm>
-            <a:off x="33146" y="3352372"/>
+            <a:off x="33146" y="4307184"/>
             <a:ext cx="1188720" cy="182880"/>
           </a:xfrm>
           <a:prstGeom prst="rect">
@@ -4625,7 +9423,7 @@
         </p:nvGrpSpPr>
         <p:grpSpPr>
           <a:xfrm>
-            <a:off x="675820" y="3674526"/>
+            <a:off x="704163" y="4367874"/>
             <a:ext cx="4992096" cy="228600"/>
             <a:chOff x="675820" y="1476684"/>
             <a:chExt cx="4992096" cy="228600"/>
@@ -4947,54 +9745,6 @@
           </p:txBody>
         </p:sp>
       </p:grpSp>
-      <p:sp>
-        <p:nvSpPr>
-          <p:cNvPr id="53" name="Cross 52">
-            <a:extLst>
-              <a:ext uri="{FF2B5EF4-FFF2-40B4-BE49-F238E27FC236}">
-                <a16:creationId xmlns:a16="http://schemas.microsoft.com/office/drawing/2014/main" id="{E782971B-A8B9-40D5-A353-BD5A653DF589}"/>
-              </a:ext>
-            </a:extLst>
-          </p:cNvPr>
-          <p:cNvSpPr/>
-          <p:nvPr/>
-        </p:nvSpPr>
-        <p:spPr>
-          <a:xfrm>
-            <a:off x="271989" y="4351662"/>
-            <a:ext cx="194671" cy="194671"/>
-          </a:xfrm>
-          <a:prstGeom prst="plus">
-            <a:avLst>
-              <a:gd name="adj" fmla="val 39981"/>
-            </a:avLst>
-          </a:prstGeom>
-        </p:spPr>
-        <p:style>
-          <a:lnRef idx="2">
-            <a:schemeClr val="dk1">
-              <a:shade val="50000"/>
-            </a:schemeClr>
-          </a:lnRef>
-          <a:fillRef idx="1">
-            <a:schemeClr val="dk1"/>
-          </a:fillRef>
-          <a:effectRef idx="0">
-            <a:schemeClr val="dk1"/>
-          </a:effectRef>
-          <a:fontRef idx="minor">
-            <a:schemeClr val="lt1"/>
-          </a:fontRef>
-        </p:style>
-        <p:txBody>
-          <a:bodyPr rtlCol="0" anchor="ctr"/>
-          <a:lstStyle/>
-          <a:p>
-            <a:pPr algn="ctr"/>
-            <a:endParaRPr lang="en-US"/>
-          </a:p>
-        </p:txBody>
-      </p:sp>
       <p:grpSp>
         <p:nvGrpSpPr>
           <p:cNvPr id="27" name="Group 26">
@@ -5009,7 +9759,7 @@
         </p:nvGrpSpPr>
         <p:grpSpPr>
           <a:xfrm>
-            <a:off x="6449701" y="3516203"/>
+            <a:off x="6478044" y="4209551"/>
             <a:ext cx="2298190" cy="2575546"/>
             <a:chOff x="6449701" y="1287538"/>
             <a:chExt cx="2298190" cy="2575546"/>
@@ -5898,68 +10648,6 @@
       </p:grpSp>
       <p:sp>
         <p:nvSpPr>
-          <p:cNvPr id="88" name="Rectangle 87">
-            <a:extLst>
-              <a:ext uri="{FF2B5EF4-FFF2-40B4-BE49-F238E27FC236}">
-                <a16:creationId xmlns:a16="http://schemas.microsoft.com/office/drawing/2014/main" id="{4F20B693-5024-4419-BDC4-F56ED55D86EC}"/>
-              </a:ext>
-            </a:extLst>
-          </p:cNvPr>
-          <p:cNvSpPr/>
-          <p:nvPr/>
-        </p:nvSpPr>
-        <p:spPr>
-          <a:xfrm>
-            <a:off x="33146" y="1579637"/>
-            <a:ext cx="1188720" cy="182880"/>
-          </a:xfrm>
-          <a:prstGeom prst="rect">
-            <a:avLst/>
-          </a:prstGeom>
-          <a:solidFill>
-            <a:schemeClr val="bg1">
-              <a:lumMod val="85000"/>
-            </a:schemeClr>
-          </a:solidFill>
-          <a:ln>
-            <a:solidFill>
-              <a:schemeClr val="bg1">
-                <a:lumMod val="85000"/>
-              </a:schemeClr>
-            </a:solidFill>
-          </a:ln>
-        </p:spPr>
-        <p:style>
-          <a:lnRef idx="2">
-            <a:schemeClr val="accent6"/>
-          </a:lnRef>
-          <a:fillRef idx="1">
-            <a:schemeClr val="lt1"/>
-          </a:fillRef>
-          <a:effectRef idx="0">
-            <a:schemeClr val="accent6"/>
-          </a:effectRef>
-          <a:fontRef idx="minor">
-            <a:schemeClr val="dk1"/>
-          </a:fontRef>
-        </p:style>
-        <p:txBody>
-          <a:bodyPr rtlCol="0" anchor="ctr"/>
-          <a:lstStyle/>
-          <a:p>
-            <a:r>
-              <a:rPr lang="en-US" sz="1200" b="1" dirty="0">
-                <a:solidFill>
-                  <a:schemeClr val="tx1"/>
-                </a:solidFill>
-              </a:rPr>
-              <a:t>Source Input:</a:t>
-            </a:r>
-          </a:p>
-        </p:txBody>
-      </p:sp>
-      <p:sp>
-        <p:nvSpPr>
           <p:cNvPr id="80" name="Rectangle 79">
             <a:extLst>
               <a:ext uri="{FF2B5EF4-FFF2-40B4-BE49-F238E27FC236}">
@@ -5972,7 +10660,7 @@
         </p:nvSpPr>
         <p:spPr>
           <a:xfrm>
-            <a:off x="6250267" y="2819061"/>
+            <a:off x="7304134" y="3602677"/>
             <a:ext cx="685800" cy="236763"/>
           </a:xfrm>
           <a:prstGeom prst="rect">
@@ -6027,7 +10715,7 @@
         </p:nvSpPr>
         <p:spPr>
           <a:xfrm>
-            <a:off x="3589239" y="2838290"/>
+            <a:off x="6574440" y="3274309"/>
             <a:ext cx="731520" cy="236763"/>
           </a:xfrm>
           <a:prstGeom prst="rect">
@@ -6090,7 +10778,7 @@
         </p:nvSpPr>
         <p:spPr>
           <a:xfrm>
-            <a:off x="4320759" y="2825858"/>
+            <a:off x="7305960" y="3261877"/>
             <a:ext cx="685800" cy="236763"/>
           </a:xfrm>
           <a:prstGeom prst="rect">
@@ -6145,7 +10833,7 @@
         </p:nvSpPr>
         <p:spPr>
           <a:xfrm>
-            <a:off x="5518747" y="2805930"/>
+            <a:off x="6572614" y="3589546"/>
             <a:ext cx="731520" cy="236763"/>
           </a:xfrm>
           <a:prstGeom prst="rect">
@@ -6208,7 +10896,7 @@
         </p:nvGrpSpPr>
         <p:grpSpPr>
           <a:xfrm>
-            <a:off x="4818323" y="2118477"/>
+            <a:off x="4750487" y="1509534"/>
             <a:ext cx="4115909" cy="496376"/>
             <a:chOff x="5435650" y="4179676"/>
             <a:chExt cx="4115909" cy="496376"/>
@@ -6708,7 +11396,7 @@
         </p:nvSpPr>
         <p:spPr>
           <a:xfrm>
-            <a:off x="2329299" y="2363677"/>
+            <a:off x="4346067" y="3121019"/>
             <a:ext cx="1005840" cy="236763"/>
           </a:xfrm>
           <a:prstGeom prst="rect">
@@ -6771,7 +11459,7 @@
         </p:nvSpPr>
         <p:spPr>
           <a:xfrm>
-            <a:off x="3341300" y="2371919"/>
+            <a:off x="5358068" y="3129261"/>
             <a:ext cx="685800" cy="236763"/>
           </a:xfrm>
           <a:prstGeom prst="rect">
@@ -6826,7 +11514,7 @@
         </p:nvSpPr>
         <p:spPr>
           <a:xfrm>
-            <a:off x="1221866" y="2817184"/>
+            <a:off x="6463889" y="2949058"/>
             <a:ext cx="914400" cy="236763"/>
           </a:xfrm>
           <a:prstGeom prst="rect">
@@ -6889,7 +11577,7 @@
         </p:nvSpPr>
         <p:spPr>
           <a:xfrm>
-            <a:off x="2136943" y="2826589"/>
+            <a:off x="7330479" y="2945097"/>
             <a:ext cx="685800" cy="236763"/>
           </a:xfrm>
           <a:prstGeom prst="rect">
@@ -6944,7 +11632,7 @@
         </p:nvSpPr>
         <p:spPr>
           <a:xfrm>
-            <a:off x="434073" y="2363677"/>
+            <a:off x="4479321" y="3582260"/>
             <a:ext cx="914400" cy="236763"/>
           </a:xfrm>
           <a:prstGeom prst="rect">
@@ -7007,7 +11695,7 @@
         </p:nvSpPr>
         <p:spPr>
           <a:xfrm>
-            <a:off x="1343336" y="2371919"/>
+            <a:off x="5388584" y="3590502"/>
             <a:ext cx="685800" cy="236763"/>
           </a:xfrm>
           <a:prstGeom prst="rect">
@@ -7168,7 +11856,7 @@
         </p:nvGrpSpPr>
         <p:grpSpPr>
           <a:xfrm>
-            <a:off x="629822" y="3956902"/>
+            <a:off x="658165" y="4650250"/>
             <a:ext cx="5329566" cy="245071"/>
             <a:chOff x="629822" y="2189977"/>
             <a:chExt cx="5329566" cy="245071"/>
@@ -7531,7 +12219,7 @@
         </p:nvGrpSpPr>
         <p:grpSpPr>
           <a:xfrm>
-            <a:off x="629822" y="4329985"/>
+            <a:off x="658165" y="5023333"/>
             <a:ext cx="5329566" cy="245071"/>
             <a:chOff x="629822" y="2189977"/>
             <a:chExt cx="5329566" cy="245071"/>
@@ -7894,7 +12582,7 @@
         </p:nvSpPr>
         <p:spPr>
           <a:xfrm>
-            <a:off x="33937" y="465111"/>
+            <a:off x="-436749" y="7299885"/>
             <a:ext cx="1188720" cy="182880"/>
           </a:xfrm>
           <a:prstGeom prst="rect">
@@ -8002,7 +12690,7 @@
         </p:nvSpPr>
         <p:spPr>
           <a:xfrm>
-            <a:off x="7030300" y="6377450"/>
+            <a:off x="7006954" y="6929205"/>
             <a:ext cx="1280160" cy="228600"/>
           </a:xfrm>
           <a:prstGeom prst="rect">
@@ -8040,10 +12728,62 @@
           </a:p>
         </p:txBody>
       </p:sp>
+      <p:sp>
+        <p:nvSpPr>
+          <p:cNvPr id="104" name="Rectangle 103">
+            <a:extLst>
+              <a:ext uri="{FF2B5EF4-FFF2-40B4-BE49-F238E27FC236}">
+                <a16:creationId xmlns:a16="http://schemas.microsoft.com/office/drawing/2014/main" id="{E40F25E6-F6D9-4BAF-8485-8AA3C679B947}"/>
+              </a:ext>
+            </a:extLst>
+          </p:cNvPr>
+          <p:cNvSpPr/>
+          <p:nvPr/>
+        </p:nvSpPr>
+        <p:spPr>
+          <a:xfrm>
+            <a:off x="-677" y="448345"/>
+            <a:ext cx="1280160" cy="228600"/>
+          </a:xfrm>
+          <a:prstGeom prst="rect">
+            <a:avLst/>
+          </a:prstGeom>
+          <a:ln/>
+        </p:spPr>
+        <p:style>
+          <a:lnRef idx="1">
+            <a:schemeClr val="dk1"/>
+          </a:lnRef>
+          <a:fillRef idx="2">
+            <a:schemeClr val="dk1"/>
+          </a:fillRef>
+          <a:effectRef idx="1">
+            <a:schemeClr val="dk1"/>
+          </a:effectRef>
+          <a:fontRef idx="minor">
+            <a:schemeClr val="dk1"/>
+          </a:fontRef>
+        </p:style>
+        <p:txBody>
+          <a:bodyPr rtlCol="0" anchor="ctr"/>
+          <a:lstStyle/>
+          <a:p>
+            <a:pPr algn="ctr"/>
+            <a:r>
+              <a:rPr lang="en-US" sz="1200" dirty="0">
+                <a:solidFill>
+                  <a:schemeClr val="tx1"/>
+                </a:solidFill>
+              </a:rPr>
+              <a:t>Import Image</a:t>
+            </a:r>
+          </a:p>
+        </p:txBody>
+      </p:sp>
     </p:spTree>
     <p:extLst>
       <p:ext uri="{BB962C8B-B14F-4D97-AF65-F5344CB8AC3E}">
-        <p14:creationId xmlns:p14="http://schemas.microsoft.com/office/powerpoint/2010/main" val="1595481853"/>
+        <p14:creationId xmlns:p14="http://schemas.microsoft.com/office/powerpoint/2010/main" val="2756630887"/>
       </p:ext>
     </p:extLst>
   </p:cSld>
@@ -8053,7 +12793,7 @@
 </p:sld>
 </file>
 
-<file path=ppt/slides/slide3.xml><?xml version="1.0" encoding="utf-8"?>
+<file path=ppt/slides/slide4.xml><?xml version="1.0" encoding="utf-8"?>
 <p:sld xmlns:a="http://schemas.openxmlformats.org/drawingml/2006/main" xmlns:r="http://schemas.openxmlformats.org/officeDocument/2006/relationships" xmlns:p="http://schemas.openxmlformats.org/presentationml/2006/main">
   <p:cSld>
     <p:spTree>
@@ -13043,7 +17783,7 @@
 </p:sld>
 </file>
 
-<file path=ppt/slides/slide4.xml><?xml version="1.0" encoding="utf-8"?>
+<file path=ppt/slides/slide5.xml><?xml version="1.0" encoding="utf-8"?>
 <p:sld xmlns:a="http://schemas.openxmlformats.org/drawingml/2006/main" xmlns:r="http://schemas.openxmlformats.org/officeDocument/2006/relationships" xmlns:p="http://schemas.openxmlformats.org/presentationml/2006/main">
   <p:cSld>
     <p:spTree>
@@ -18201,7 +22941,7 @@
 </p:sld>
 </file>
 
-<file path=ppt/slides/slide5.xml><?xml version="1.0" encoding="utf-8"?>
+<file path=ppt/slides/slide6.xml><?xml version="1.0" encoding="utf-8"?>
 <p:sld xmlns:a="http://schemas.openxmlformats.org/drawingml/2006/main" xmlns:r="http://schemas.openxmlformats.org/officeDocument/2006/relationships" xmlns:p="http://schemas.openxmlformats.org/presentationml/2006/main">
   <p:cSld>
     <p:spTree>
@@ -18542,7 +23282,7 @@
 </p:sld>
 </file>
 
-<file path=ppt/slides/slide6.xml><?xml version="1.0" encoding="utf-8"?>
+<file path=ppt/slides/slide7.xml><?xml version="1.0" encoding="utf-8"?>
 <p:sld xmlns:a="http://schemas.openxmlformats.org/drawingml/2006/main" xmlns:r="http://schemas.openxmlformats.org/officeDocument/2006/relationships" xmlns:p="http://schemas.openxmlformats.org/presentationml/2006/main">
   <p:cSld>
     <p:spTree>
